--- a/Multithreading.pptx
+++ b/Multithreading.pptx
@@ -31,6 +31,17 @@
     <p:sldId id="278" r:id="rId25"/>
     <p:sldId id="279" r:id="rId26"/>
     <p:sldId id="280" r:id="rId27"/>
+    <p:sldId id="282" r:id="rId28"/>
+    <p:sldId id="283" r:id="rId29"/>
+    <p:sldId id="284" r:id="rId30"/>
+    <p:sldId id="285" r:id="rId31"/>
+    <p:sldId id="286" r:id="rId32"/>
+    <p:sldId id="287" r:id="rId33"/>
+    <p:sldId id="288" r:id="rId34"/>
+    <p:sldId id="289" r:id="rId35"/>
+    <p:sldId id="290" r:id="rId36"/>
+    <p:sldId id="291" r:id="rId37"/>
+    <p:sldId id="292" r:id="rId38"/>
   </p:sldIdLst>
   <p:sldSz cx="12192000" cy="6858000"/>
   <p:notesSz cx="6858000" cy="9144000"/>
@@ -268,7 +279,7 @@
           <a:p>
             <a:fld id="{EA3A1888-C4CE-4949-849E-FECEC81018E6}" type="datetimeFigureOut">
               <a:rPr lang="en-US" smtClean="0"/>
-              <a:t>6/8/2023</a:t>
+              <a:t>6/10/2023</a:t>
             </a:fld>
             <a:endParaRPr lang="en-US"/>
           </a:p>
@@ -438,7 +449,7 @@
           <a:p>
             <a:fld id="{EA3A1888-C4CE-4949-849E-FECEC81018E6}" type="datetimeFigureOut">
               <a:rPr lang="en-US" smtClean="0"/>
-              <a:t>6/8/2023</a:t>
+              <a:t>6/10/2023</a:t>
             </a:fld>
             <a:endParaRPr lang="en-US"/>
           </a:p>
@@ -618,7 +629,7 @@
           <a:p>
             <a:fld id="{EA3A1888-C4CE-4949-849E-FECEC81018E6}" type="datetimeFigureOut">
               <a:rPr lang="en-US" smtClean="0"/>
-              <a:t>6/8/2023</a:t>
+              <a:t>6/10/2023</a:t>
             </a:fld>
             <a:endParaRPr lang="en-US"/>
           </a:p>
@@ -788,7 +799,7 @@
           <a:p>
             <a:fld id="{EA3A1888-C4CE-4949-849E-FECEC81018E6}" type="datetimeFigureOut">
               <a:rPr lang="en-US" smtClean="0"/>
-              <a:t>6/8/2023</a:t>
+              <a:t>6/10/2023</a:t>
             </a:fld>
             <a:endParaRPr lang="en-US"/>
           </a:p>
@@ -1034,7 +1045,7 @@
           <a:p>
             <a:fld id="{EA3A1888-C4CE-4949-849E-FECEC81018E6}" type="datetimeFigureOut">
               <a:rPr lang="en-US" smtClean="0"/>
-              <a:t>6/8/2023</a:t>
+              <a:t>6/10/2023</a:t>
             </a:fld>
             <a:endParaRPr lang="en-US"/>
           </a:p>
@@ -1266,7 +1277,7 @@
           <a:p>
             <a:fld id="{EA3A1888-C4CE-4949-849E-FECEC81018E6}" type="datetimeFigureOut">
               <a:rPr lang="en-US" smtClean="0"/>
-              <a:t>6/8/2023</a:t>
+              <a:t>6/10/2023</a:t>
             </a:fld>
             <a:endParaRPr lang="en-US"/>
           </a:p>
@@ -1633,7 +1644,7 @@
           <a:p>
             <a:fld id="{EA3A1888-C4CE-4949-849E-FECEC81018E6}" type="datetimeFigureOut">
               <a:rPr lang="en-US" smtClean="0"/>
-              <a:t>6/8/2023</a:t>
+              <a:t>6/10/2023</a:t>
             </a:fld>
             <a:endParaRPr lang="en-US"/>
           </a:p>
@@ -1751,7 +1762,7 @@
           <a:p>
             <a:fld id="{EA3A1888-C4CE-4949-849E-FECEC81018E6}" type="datetimeFigureOut">
               <a:rPr lang="en-US" smtClean="0"/>
-              <a:t>6/8/2023</a:t>
+              <a:t>6/10/2023</a:t>
             </a:fld>
             <a:endParaRPr lang="en-US"/>
           </a:p>
@@ -1846,7 +1857,7 @@
           <a:p>
             <a:fld id="{EA3A1888-C4CE-4949-849E-FECEC81018E6}" type="datetimeFigureOut">
               <a:rPr lang="en-US" smtClean="0"/>
-              <a:t>6/8/2023</a:t>
+              <a:t>6/10/2023</a:t>
             </a:fld>
             <a:endParaRPr lang="en-US"/>
           </a:p>
@@ -2123,7 +2134,7 @@
           <a:p>
             <a:fld id="{EA3A1888-C4CE-4949-849E-FECEC81018E6}" type="datetimeFigureOut">
               <a:rPr lang="en-US" smtClean="0"/>
-              <a:t>6/8/2023</a:t>
+              <a:t>6/10/2023</a:t>
             </a:fld>
             <a:endParaRPr lang="en-US"/>
           </a:p>
@@ -2376,7 +2387,7 @@
           <a:p>
             <a:fld id="{EA3A1888-C4CE-4949-849E-FECEC81018E6}" type="datetimeFigureOut">
               <a:rPr lang="en-US" smtClean="0"/>
-              <a:t>6/8/2023</a:t>
+              <a:t>6/10/2023</a:t>
             </a:fld>
             <a:endParaRPr lang="en-US"/>
           </a:p>
@@ -2589,7 +2600,7 @@
           <a:p>
             <a:fld id="{EA3A1888-C4CE-4949-849E-FECEC81018E6}" type="datetimeFigureOut">
               <a:rPr lang="en-US" smtClean="0"/>
-              <a:t>6/8/2023</a:t>
+              <a:t>6/10/2023</a:t>
             </a:fld>
             <a:endParaRPr lang="en-US"/>
           </a:p>
@@ -5129,7 +5140,6 @@
               <a:rPr lang="en-US" sz="2500" dirty="0"/>
               <a:t>returns.</a:t>
             </a:r>
-            <a:endParaRPr lang="en-US" sz="2500" dirty="0"/>
           </a:p>
         </p:txBody>
       </p:sp>
@@ -6411,7 +6421,6 @@
               <a:rPr lang="en-US" sz="2500" dirty="0"/>
               <a:t>.</a:t>
             </a:r>
-            <a:endParaRPr lang="en-US" sz="2500" dirty="0"/>
           </a:p>
         </p:txBody>
       </p:sp>
@@ -7162,7 +7171,6 @@
               <a:rPr lang="en-US" sz="2500" dirty="0"/>
               <a:t>specifies the name of the thread.</a:t>
             </a:r>
-            <a:endParaRPr lang="en-US" sz="2500" dirty="0"/>
           </a:p>
         </p:txBody>
       </p:sp>
@@ -7441,6 +7449,879 @@
 </p:sld>
 </file>
 
+<file path=ppt/slides/slide27.xml><?xml version="1.0" encoding="utf-8"?>
+<p:sld xmlns:a="http://schemas.openxmlformats.org/drawingml/2006/main" xmlns:r="http://schemas.openxmlformats.org/officeDocument/2006/relationships" xmlns:p="http://schemas.openxmlformats.org/presentationml/2006/main">
+  <p:cSld>
+    <p:spTree>
+      <p:nvGrpSpPr>
+        <p:cNvPr id="1" name=""/>
+        <p:cNvGrpSpPr/>
+        <p:nvPr/>
+      </p:nvGrpSpPr>
+      <p:grpSpPr>
+        <a:xfrm>
+          <a:off x="0" y="0"/>
+          <a:ext cx="0" cy="0"/>
+          <a:chOff x="0" y="0"/>
+          <a:chExt cx="0" cy="0"/>
+        </a:xfrm>
+      </p:grpSpPr>
+      <p:sp>
+        <p:nvSpPr>
+          <p:cNvPr id="2" name="Title 1"/>
+          <p:cNvSpPr>
+            <a:spLocks noGrp="1"/>
+          </p:cNvSpPr>
+          <p:nvPr>
+            <p:ph type="title"/>
+          </p:nvPr>
+        </p:nvSpPr>
+        <p:spPr/>
+        <p:txBody>
+          <a:bodyPr/>
+          <a:lstStyle/>
+          <a:p>
+            <a:r>
+              <a:rPr lang="en-US" b="1" dirty="0"/>
+              <a:t>Creating Multiple Threads</a:t>
+            </a:r>
+            <a:endParaRPr lang="en-US" dirty="0"/>
+          </a:p>
+        </p:txBody>
+      </p:sp>
+      <p:sp>
+        <p:nvSpPr>
+          <p:cNvPr id="3" name="Content Placeholder 2"/>
+          <p:cNvSpPr>
+            <a:spLocks noGrp="1"/>
+          </p:cNvSpPr>
+          <p:nvPr>
+            <p:ph idx="1"/>
+          </p:nvPr>
+        </p:nvSpPr>
+        <p:spPr>
+          <a:xfrm>
+            <a:off x="596900" y="1282700"/>
+            <a:ext cx="11430000" cy="5410200"/>
+          </a:xfrm>
+        </p:spPr>
+        <p:txBody>
+          <a:bodyPr>
+            <a:normAutofit fontScale="47500" lnSpcReduction="20000"/>
+          </a:bodyPr>
+          <a:lstStyle/>
+          <a:p>
+            <a:pPr marL="0" indent="0">
+              <a:buNone/>
+            </a:pPr>
+            <a:r>
+              <a:rPr lang="en-US" dirty="0"/>
+              <a:t>// Create multiple threads.</a:t>
+            </a:r>
+          </a:p>
+          <a:p>
+            <a:pPr marL="0" indent="0">
+              <a:buNone/>
+            </a:pPr>
+            <a:r>
+              <a:rPr lang="en-US" dirty="0"/>
+              <a:t>class </a:t>
+            </a:r>
+            <a:r>
+              <a:rPr lang="en-US" dirty="0" err="1"/>
+              <a:t>NewThread</a:t>
+            </a:r>
+            <a:r>
+              <a:rPr lang="en-US" dirty="0"/>
+              <a:t> implements Runnable {</a:t>
+            </a:r>
+          </a:p>
+          <a:p>
+            <a:pPr marL="0" indent="0">
+              <a:buNone/>
+            </a:pPr>
+            <a:r>
+              <a:rPr lang="en-US" dirty="0"/>
+              <a:t>String name; // name of thread</a:t>
+            </a:r>
+          </a:p>
+          <a:p>
+            <a:pPr marL="0" indent="0">
+              <a:buNone/>
+            </a:pPr>
+            <a:r>
+              <a:rPr lang="en-US" dirty="0"/>
+              <a:t>Thread t;</a:t>
+            </a:r>
+          </a:p>
+          <a:p>
+            <a:pPr marL="0" indent="0">
+              <a:buNone/>
+            </a:pPr>
+            <a:r>
+              <a:rPr lang="en-US" dirty="0" err="1"/>
+              <a:t>NewThread</a:t>
+            </a:r>
+            <a:r>
+              <a:rPr lang="en-US" dirty="0"/>
+              <a:t>(String </a:t>
+            </a:r>
+            <a:r>
+              <a:rPr lang="en-US" dirty="0" err="1"/>
+              <a:t>threadname</a:t>
+            </a:r>
+            <a:r>
+              <a:rPr lang="en-US" dirty="0"/>
+              <a:t>) {</a:t>
+            </a:r>
+          </a:p>
+          <a:p>
+            <a:pPr marL="0" indent="0">
+              <a:buNone/>
+            </a:pPr>
+            <a:r>
+              <a:rPr lang="en-US" dirty="0"/>
+              <a:t>name = </a:t>
+            </a:r>
+            <a:r>
+              <a:rPr lang="en-US" dirty="0" err="1"/>
+              <a:t>threadname</a:t>
+            </a:r>
+            <a:r>
+              <a:rPr lang="en-US" dirty="0"/>
+              <a:t>;</a:t>
+            </a:r>
+          </a:p>
+          <a:p>
+            <a:pPr marL="0" indent="0">
+              <a:buNone/>
+            </a:pPr>
+            <a:r>
+              <a:rPr lang="en-US" dirty="0"/>
+              <a:t>t = new Thread(this, name);</a:t>
+            </a:r>
+          </a:p>
+          <a:p>
+            <a:pPr marL="0" indent="0">
+              <a:buNone/>
+            </a:pPr>
+            <a:r>
+              <a:rPr lang="en-US" dirty="0" err="1"/>
+              <a:t>System.out.println</a:t>
+            </a:r>
+            <a:r>
+              <a:rPr lang="en-US" dirty="0"/>
+              <a:t>("New thread: " + t);</a:t>
+            </a:r>
+          </a:p>
+          <a:p>
+            <a:pPr marL="0" indent="0">
+              <a:buNone/>
+            </a:pPr>
+            <a:r>
+              <a:rPr lang="en-US" dirty="0" err="1"/>
+              <a:t>t.start</a:t>
+            </a:r>
+            <a:r>
+              <a:rPr lang="en-US" dirty="0"/>
+              <a:t>(); // Start the thread</a:t>
+            </a:r>
+          </a:p>
+          <a:p>
+            <a:pPr marL="0" indent="0">
+              <a:buNone/>
+            </a:pPr>
+            <a:r>
+              <a:rPr lang="en-US" dirty="0"/>
+              <a:t>}</a:t>
+            </a:r>
+          </a:p>
+          <a:p>
+            <a:pPr marL="0" indent="0">
+              <a:buNone/>
+            </a:pPr>
+            <a:r>
+              <a:rPr lang="en-US" dirty="0"/>
+              <a:t>// This is the entry point for thread.</a:t>
+            </a:r>
+          </a:p>
+          <a:p>
+            <a:pPr marL="0" indent="0">
+              <a:buNone/>
+            </a:pPr>
+            <a:r>
+              <a:rPr lang="en-US" dirty="0"/>
+              <a:t>public void run() {</a:t>
+            </a:r>
+          </a:p>
+          <a:p>
+            <a:pPr marL="0" indent="0">
+              <a:buNone/>
+            </a:pPr>
+            <a:r>
+              <a:rPr lang="en-US" dirty="0"/>
+              <a:t>try {</a:t>
+            </a:r>
+          </a:p>
+          <a:p>
+            <a:pPr marL="0" indent="0">
+              <a:buNone/>
+            </a:pPr>
+            <a:r>
+              <a:rPr lang="nn-NO" dirty="0"/>
+              <a:t>for(int i = 5; i &gt; 0; i--) {</a:t>
+            </a:r>
+          </a:p>
+          <a:p>
+            <a:pPr marL="0" indent="0">
+              <a:buNone/>
+            </a:pPr>
+            <a:r>
+              <a:rPr lang="en-US" dirty="0" err="1"/>
+              <a:t>System.out.println</a:t>
+            </a:r>
+            <a:r>
+              <a:rPr lang="en-US" dirty="0"/>
+              <a:t>(name + ": " + </a:t>
+            </a:r>
+            <a:r>
+              <a:rPr lang="en-US" dirty="0" err="1"/>
+              <a:t>i</a:t>
+            </a:r>
+            <a:r>
+              <a:rPr lang="en-US" dirty="0"/>
+              <a:t>);</a:t>
+            </a:r>
+          </a:p>
+          <a:p>
+            <a:pPr marL="0" indent="0">
+              <a:buNone/>
+            </a:pPr>
+            <a:r>
+              <a:rPr lang="en-US" dirty="0" err="1"/>
+              <a:t>Thread.sleep</a:t>
+            </a:r>
+            <a:r>
+              <a:rPr lang="en-US" dirty="0"/>
+              <a:t>(1000);</a:t>
+            </a:r>
+          </a:p>
+          <a:p>
+            <a:pPr marL="0" indent="0">
+              <a:buNone/>
+            </a:pPr>
+            <a:r>
+              <a:rPr lang="en-US" dirty="0"/>
+              <a:t>}</a:t>
+            </a:r>
+          </a:p>
+          <a:p>
+            <a:pPr marL="0" indent="0">
+              <a:buNone/>
+            </a:pPr>
+            <a:r>
+              <a:rPr lang="en-US" dirty="0"/>
+              <a:t>} catch (</a:t>
+            </a:r>
+            <a:r>
+              <a:rPr lang="en-US" dirty="0" err="1"/>
+              <a:t>InterruptedException</a:t>
+            </a:r>
+            <a:r>
+              <a:rPr lang="en-US" dirty="0"/>
+              <a:t> e) </a:t>
+            </a:r>
+            <a:r>
+              <a:rPr lang="en-US" dirty="0" smtClean="0"/>
+              <a:t>{ </a:t>
+            </a:r>
+            <a:r>
+              <a:rPr lang="en-US" dirty="0" err="1" smtClean="0"/>
+              <a:t>System.out.println</a:t>
+            </a:r>
+            <a:r>
+              <a:rPr lang="en-US" dirty="0" smtClean="0"/>
+              <a:t>(name </a:t>
+            </a:r>
+            <a:r>
+              <a:rPr lang="en-US" dirty="0"/>
+              <a:t>+ "Interrupted</a:t>
+            </a:r>
+            <a:r>
+              <a:rPr lang="en-US" dirty="0" smtClean="0"/>
+              <a:t>");}</a:t>
+            </a:r>
+            <a:endParaRPr lang="en-US" dirty="0"/>
+          </a:p>
+          <a:p>
+            <a:pPr marL="0" indent="0">
+              <a:buNone/>
+            </a:pPr>
+            <a:r>
+              <a:rPr lang="en-US" dirty="0" err="1"/>
+              <a:t>System.out.println</a:t>
+            </a:r>
+            <a:r>
+              <a:rPr lang="en-US" dirty="0"/>
+              <a:t>(name + " exiting</a:t>
+            </a:r>
+            <a:r>
+              <a:rPr lang="en-US" dirty="0" smtClean="0"/>
+              <a:t>.");}}</a:t>
+            </a:r>
+            <a:endParaRPr lang="en-US" dirty="0"/>
+          </a:p>
+        </p:txBody>
+      </p:sp>
+    </p:spTree>
+    <p:extLst>
+      <p:ext uri="{BB962C8B-B14F-4D97-AF65-F5344CB8AC3E}">
+        <p14:creationId xmlns:p14="http://schemas.microsoft.com/office/powerpoint/2010/main" val="352681696"/>
+      </p:ext>
+    </p:extLst>
+  </p:cSld>
+  <p:clrMapOvr>
+    <a:masterClrMapping/>
+  </p:clrMapOvr>
+  <p:timing>
+    <p:tnLst>
+      <p:par>
+        <p:cTn id="1" dur="indefinite" restart="never" nodeType="tmRoot"/>
+      </p:par>
+    </p:tnLst>
+  </p:timing>
+</p:sld>
+</file>
+
+<file path=ppt/slides/slide28.xml><?xml version="1.0" encoding="utf-8"?>
+<p:sld xmlns:a="http://schemas.openxmlformats.org/drawingml/2006/main" xmlns:r="http://schemas.openxmlformats.org/officeDocument/2006/relationships" xmlns:p="http://schemas.openxmlformats.org/presentationml/2006/main">
+  <p:cSld>
+    <p:spTree>
+      <p:nvGrpSpPr>
+        <p:cNvPr id="1" name=""/>
+        <p:cNvGrpSpPr/>
+        <p:nvPr/>
+      </p:nvGrpSpPr>
+      <p:grpSpPr>
+        <a:xfrm>
+          <a:off x="0" y="0"/>
+          <a:ext cx="0" cy="0"/>
+          <a:chOff x="0" y="0"/>
+          <a:chExt cx="0" cy="0"/>
+        </a:xfrm>
+      </p:grpSpPr>
+      <p:sp>
+        <p:nvSpPr>
+          <p:cNvPr id="3" name="Content Placeholder 2"/>
+          <p:cNvSpPr>
+            <a:spLocks noGrp="1"/>
+          </p:cNvSpPr>
+          <p:nvPr>
+            <p:ph idx="1"/>
+          </p:nvPr>
+        </p:nvSpPr>
+        <p:spPr>
+          <a:xfrm>
+            <a:off x="762000" y="1270000"/>
+            <a:ext cx="10591800" cy="4906963"/>
+          </a:xfrm>
+        </p:spPr>
+        <p:txBody>
+          <a:bodyPr>
+            <a:normAutofit fontScale="92500"/>
+          </a:bodyPr>
+          <a:lstStyle/>
+          <a:p>
+            <a:pPr marL="0" indent="0">
+              <a:buNone/>
+            </a:pPr>
+            <a:r>
+              <a:rPr lang="en-US" sz="2000" dirty="0"/>
+              <a:t>class </a:t>
+            </a:r>
+            <a:r>
+              <a:rPr lang="en-US" sz="2000" dirty="0" err="1"/>
+              <a:t>MultiThreadDemo</a:t>
+            </a:r>
+            <a:r>
+              <a:rPr lang="en-US" sz="2000" dirty="0"/>
+              <a:t> {</a:t>
+            </a:r>
+          </a:p>
+          <a:p>
+            <a:pPr marL="0" indent="0">
+              <a:buNone/>
+            </a:pPr>
+            <a:r>
+              <a:rPr lang="en-US" sz="2000" dirty="0"/>
+              <a:t>public static void main(String </a:t>
+            </a:r>
+            <a:r>
+              <a:rPr lang="en-US" sz="2000" dirty="0" err="1"/>
+              <a:t>args</a:t>
+            </a:r>
+            <a:r>
+              <a:rPr lang="en-US" sz="2000" dirty="0"/>
+              <a:t>[]) {</a:t>
+            </a:r>
+          </a:p>
+          <a:p>
+            <a:pPr marL="0" indent="0">
+              <a:buNone/>
+            </a:pPr>
+            <a:r>
+              <a:rPr lang="en-US" sz="2000" dirty="0"/>
+              <a:t>new </a:t>
+            </a:r>
+            <a:r>
+              <a:rPr lang="en-US" sz="2000" dirty="0" err="1"/>
+              <a:t>NewThread</a:t>
+            </a:r>
+            <a:r>
+              <a:rPr lang="en-US" sz="2000" dirty="0"/>
+              <a:t>("One"); // start threads</a:t>
+            </a:r>
+          </a:p>
+          <a:p>
+            <a:pPr marL="0" indent="0">
+              <a:buNone/>
+            </a:pPr>
+            <a:r>
+              <a:rPr lang="en-US" sz="2000" dirty="0"/>
+              <a:t>new </a:t>
+            </a:r>
+            <a:r>
+              <a:rPr lang="en-US" sz="2000" dirty="0" err="1"/>
+              <a:t>NewThread</a:t>
+            </a:r>
+            <a:r>
+              <a:rPr lang="en-US" sz="2000" dirty="0"/>
+              <a:t>("Two");</a:t>
+            </a:r>
+          </a:p>
+          <a:p>
+            <a:pPr marL="0" indent="0">
+              <a:buNone/>
+            </a:pPr>
+            <a:r>
+              <a:rPr lang="en-US" sz="2000" dirty="0"/>
+              <a:t>new </a:t>
+            </a:r>
+            <a:r>
+              <a:rPr lang="en-US" sz="2000" dirty="0" err="1"/>
+              <a:t>NewThread</a:t>
+            </a:r>
+            <a:r>
+              <a:rPr lang="en-US" sz="2000" dirty="0"/>
+              <a:t>("Three</a:t>
+            </a:r>
+            <a:r>
+              <a:rPr lang="en-US" sz="2000" dirty="0" smtClean="0"/>
+              <a:t>");</a:t>
+            </a:r>
+          </a:p>
+          <a:p>
+            <a:pPr marL="0" indent="0">
+              <a:buNone/>
+            </a:pPr>
+            <a:r>
+              <a:rPr lang="en-US" sz="2000" dirty="0"/>
+              <a:t>try {</a:t>
+            </a:r>
+          </a:p>
+          <a:p>
+            <a:pPr marL="0" indent="0">
+              <a:buNone/>
+            </a:pPr>
+            <a:r>
+              <a:rPr lang="en-US" sz="2000" dirty="0"/>
+              <a:t>// wait for other threads to end</a:t>
+            </a:r>
+          </a:p>
+          <a:p>
+            <a:pPr marL="0" indent="0">
+              <a:buNone/>
+            </a:pPr>
+            <a:r>
+              <a:rPr lang="en-US" sz="2000" dirty="0" err="1"/>
+              <a:t>Thread.sleep</a:t>
+            </a:r>
+            <a:r>
+              <a:rPr lang="en-US" sz="2000" dirty="0"/>
+              <a:t>(10000);</a:t>
+            </a:r>
+          </a:p>
+          <a:p>
+            <a:pPr marL="0" indent="0">
+              <a:buNone/>
+            </a:pPr>
+            <a:r>
+              <a:rPr lang="en-US" sz="2000" dirty="0"/>
+              <a:t>} catch (</a:t>
+            </a:r>
+            <a:r>
+              <a:rPr lang="en-US" sz="2000" dirty="0" err="1"/>
+              <a:t>InterruptedException</a:t>
+            </a:r>
+            <a:r>
+              <a:rPr lang="en-US" sz="2000" dirty="0"/>
+              <a:t> e) </a:t>
+            </a:r>
+            <a:r>
+              <a:rPr lang="en-US" sz="2000" dirty="0" smtClean="0"/>
+              <a:t>{ </a:t>
+            </a:r>
+            <a:r>
+              <a:rPr lang="en-US" sz="2000" dirty="0" err="1" smtClean="0"/>
+              <a:t>System.out.println</a:t>
+            </a:r>
+            <a:r>
+              <a:rPr lang="en-US" sz="2000" dirty="0"/>
+              <a:t>("Main thread Interrupted</a:t>
+            </a:r>
+            <a:r>
+              <a:rPr lang="en-US" sz="2000" dirty="0" smtClean="0"/>
+              <a:t>");}</a:t>
+            </a:r>
+            <a:endParaRPr lang="en-US" sz="2000" dirty="0"/>
+          </a:p>
+          <a:p>
+            <a:pPr marL="0" indent="0">
+              <a:buNone/>
+            </a:pPr>
+            <a:r>
+              <a:rPr lang="en-US" sz="2000" dirty="0" err="1"/>
+              <a:t>System.out.println</a:t>
+            </a:r>
+            <a:r>
+              <a:rPr lang="en-US" sz="2000" dirty="0"/>
+              <a:t>("Main thread exiting</a:t>
+            </a:r>
+            <a:r>
+              <a:rPr lang="en-US" sz="2000" dirty="0" smtClean="0"/>
+              <a:t>.");</a:t>
+            </a:r>
+          </a:p>
+          <a:p>
+            <a:pPr marL="0" indent="0">
+              <a:buNone/>
+            </a:pPr>
+            <a:r>
+              <a:rPr lang="en-US" sz="2000" dirty="0" smtClean="0"/>
+              <a:t>}}</a:t>
+            </a:r>
+          </a:p>
+          <a:p>
+            <a:pPr marL="0" indent="0" algn="just">
+              <a:buNone/>
+            </a:pPr>
+            <a:r>
+              <a:rPr lang="en-US" sz="2100" dirty="0"/>
+              <a:t>As you can see, once started, all three child threads share the CPU. Notice the call </a:t>
+            </a:r>
+            <a:r>
+              <a:rPr lang="en-US" sz="2100" dirty="0" smtClean="0"/>
+              <a:t>to </a:t>
+            </a:r>
+            <a:r>
+              <a:rPr lang="en-US" sz="2100" b="1" dirty="0" smtClean="0"/>
+              <a:t>sleep(10000</a:t>
+            </a:r>
+            <a:r>
+              <a:rPr lang="en-US" sz="2100" b="1" dirty="0"/>
+              <a:t>) </a:t>
+            </a:r>
+            <a:r>
+              <a:rPr lang="en-US" sz="2100" dirty="0"/>
+              <a:t>in </a:t>
+            </a:r>
+            <a:r>
+              <a:rPr lang="en-US" sz="2100" b="1" dirty="0"/>
+              <a:t>main( )</a:t>
+            </a:r>
+            <a:r>
+              <a:rPr lang="en-US" sz="2100" dirty="0"/>
+              <a:t>. This causes the main thread to sleep for ten seconds and </a:t>
+            </a:r>
+            <a:r>
+              <a:rPr lang="en-US" sz="2100" dirty="0" smtClean="0"/>
+              <a:t>ensures that </a:t>
+            </a:r>
+            <a:r>
+              <a:rPr lang="en-US" sz="2100" dirty="0"/>
+              <a:t>it will finish last.</a:t>
+            </a:r>
+            <a:endParaRPr lang="en-US" sz="2100" dirty="0"/>
+          </a:p>
+        </p:txBody>
+      </p:sp>
+    </p:spTree>
+    <p:extLst>
+      <p:ext uri="{BB962C8B-B14F-4D97-AF65-F5344CB8AC3E}">
+        <p14:creationId xmlns:p14="http://schemas.microsoft.com/office/powerpoint/2010/main" val="1783009979"/>
+      </p:ext>
+    </p:extLst>
+  </p:cSld>
+  <p:clrMapOvr>
+    <a:masterClrMapping/>
+  </p:clrMapOvr>
+  <p:timing>
+    <p:tnLst>
+      <p:par>
+        <p:cTn id="1" dur="indefinite" restart="never" nodeType="tmRoot"/>
+      </p:par>
+    </p:tnLst>
+  </p:timing>
+</p:sld>
+</file>
+
+<file path=ppt/slides/slide29.xml><?xml version="1.0" encoding="utf-8"?>
+<p:sld xmlns:a="http://schemas.openxmlformats.org/drawingml/2006/main" xmlns:r="http://schemas.openxmlformats.org/officeDocument/2006/relationships" xmlns:p="http://schemas.openxmlformats.org/presentationml/2006/main">
+  <p:cSld>
+    <p:spTree>
+      <p:nvGrpSpPr>
+        <p:cNvPr id="1" name=""/>
+        <p:cNvGrpSpPr/>
+        <p:nvPr/>
+      </p:nvGrpSpPr>
+      <p:grpSpPr>
+        <a:xfrm>
+          <a:off x="0" y="0"/>
+          <a:ext cx="0" cy="0"/>
+          <a:chOff x="0" y="0"/>
+          <a:chExt cx="0" cy="0"/>
+        </a:xfrm>
+      </p:grpSpPr>
+      <p:sp>
+        <p:nvSpPr>
+          <p:cNvPr id="2" name="Title 1"/>
+          <p:cNvSpPr>
+            <a:spLocks noGrp="1"/>
+          </p:cNvSpPr>
+          <p:nvPr>
+            <p:ph type="title"/>
+          </p:nvPr>
+        </p:nvSpPr>
+        <p:spPr/>
+        <p:txBody>
+          <a:bodyPr/>
+          <a:lstStyle/>
+          <a:p>
+            <a:r>
+              <a:rPr lang="en-US" b="1" dirty="0"/>
+              <a:t>Using </a:t>
+            </a:r>
+            <a:r>
+              <a:rPr lang="en-US" b="1" dirty="0" err="1"/>
+              <a:t>isAlive</a:t>
+            </a:r>
+            <a:r>
+              <a:rPr lang="en-US" b="1" dirty="0"/>
+              <a:t>( ) and join( )</a:t>
+            </a:r>
+            <a:endParaRPr lang="en-US" dirty="0"/>
+          </a:p>
+        </p:txBody>
+      </p:sp>
+      <p:sp>
+        <p:nvSpPr>
+          <p:cNvPr id="3" name="Content Placeholder 2"/>
+          <p:cNvSpPr>
+            <a:spLocks noGrp="1"/>
+          </p:cNvSpPr>
+          <p:nvPr>
+            <p:ph idx="1"/>
+          </p:nvPr>
+        </p:nvSpPr>
+        <p:spPr/>
+        <p:txBody>
+          <a:bodyPr/>
+          <a:lstStyle/>
+          <a:p>
+            <a:pPr algn="just">
+              <a:lnSpc>
+                <a:spcPct val="100000"/>
+              </a:lnSpc>
+            </a:pPr>
+            <a:r>
+              <a:rPr lang="en-US" dirty="0"/>
+              <a:t>Two ways exist to determine whether a thread has </a:t>
+            </a:r>
+            <a:r>
+              <a:rPr lang="en-US" dirty="0" smtClean="0"/>
+              <a:t>finished</a:t>
+            </a:r>
+          </a:p>
+          <a:p>
+            <a:pPr marL="914400" lvl="1" indent="-457200" algn="just">
+              <a:lnSpc>
+                <a:spcPct val="100000"/>
+              </a:lnSpc>
+              <a:buFont typeface="+mj-lt"/>
+              <a:buAutoNum type="arabicPeriod"/>
+            </a:pPr>
+            <a:r>
+              <a:rPr lang="en-US" b="1" dirty="0" err="1" smtClean="0"/>
+              <a:t>isAlive</a:t>
+            </a:r>
+            <a:r>
+              <a:rPr lang="en-US" b="1" dirty="0" smtClean="0"/>
+              <a:t>()</a:t>
+            </a:r>
+          </a:p>
+          <a:p>
+            <a:pPr marL="914400" lvl="1" indent="-457200" algn="just">
+              <a:lnSpc>
+                <a:spcPct val="100000"/>
+              </a:lnSpc>
+              <a:buFont typeface="+mj-lt"/>
+              <a:buAutoNum type="arabicPeriod"/>
+            </a:pPr>
+            <a:r>
+              <a:rPr lang="en-US" b="1" dirty="0" smtClean="0"/>
+              <a:t>Join()</a:t>
+            </a:r>
+          </a:p>
+          <a:p>
+            <a:pPr algn="just">
+              <a:lnSpc>
+                <a:spcPct val="100000"/>
+              </a:lnSpc>
+            </a:pPr>
+            <a:r>
+              <a:rPr lang="en-US" dirty="0"/>
+              <a:t>First, you can call </a:t>
+            </a:r>
+            <a:r>
+              <a:rPr lang="en-US" b="1" dirty="0" err="1"/>
+              <a:t>isAlive</a:t>
+            </a:r>
+            <a:r>
+              <a:rPr lang="en-US" b="1" dirty="0"/>
+              <a:t>( </a:t>
+            </a:r>
+            <a:r>
+              <a:rPr lang="en-US" b="1" dirty="0" smtClean="0"/>
+              <a:t>) </a:t>
+            </a:r>
+            <a:r>
+              <a:rPr lang="en-US" dirty="0" smtClean="0"/>
+              <a:t>on </a:t>
+            </a:r>
+            <a:r>
+              <a:rPr lang="en-US" dirty="0"/>
+              <a:t>the thread. This method is defined by </a:t>
+            </a:r>
+            <a:r>
+              <a:rPr lang="en-US" b="1" dirty="0"/>
+              <a:t>Thread</a:t>
+            </a:r>
+            <a:r>
+              <a:rPr lang="en-US" dirty="0"/>
+              <a:t>, and its general form is shown here</a:t>
+            </a:r>
+            <a:r>
+              <a:rPr lang="en-US" dirty="0" smtClean="0"/>
+              <a:t>:</a:t>
+            </a:r>
+          </a:p>
+          <a:p>
+            <a:pPr lvl="1" algn="just">
+              <a:lnSpc>
+                <a:spcPct val="100000"/>
+              </a:lnSpc>
+            </a:pPr>
+            <a:r>
+              <a:rPr lang="en-US" dirty="0"/>
+              <a:t>f</a:t>
+            </a:r>
+            <a:r>
+              <a:rPr lang="en-US" dirty="0" smtClean="0"/>
+              <a:t>inal </a:t>
+            </a:r>
+            <a:r>
+              <a:rPr lang="en-US" dirty="0" err="1" smtClean="0"/>
+              <a:t>boolean</a:t>
+            </a:r>
+            <a:r>
+              <a:rPr lang="en-US" dirty="0" smtClean="0"/>
+              <a:t> </a:t>
+            </a:r>
+            <a:r>
+              <a:rPr lang="en-US" dirty="0" err="1" smtClean="0"/>
+              <a:t>isAlive</a:t>
+            </a:r>
+            <a:r>
+              <a:rPr lang="en-US" dirty="0" smtClean="0"/>
+              <a:t>()</a:t>
+            </a:r>
+          </a:p>
+          <a:p>
+            <a:pPr algn="just">
+              <a:lnSpc>
+                <a:spcPct val="100000"/>
+              </a:lnSpc>
+            </a:pPr>
+            <a:r>
+              <a:rPr lang="en-US" dirty="0"/>
+              <a:t>The </a:t>
+            </a:r>
+            <a:r>
+              <a:rPr lang="en-US" b="1" dirty="0" err="1"/>
+              <a:t>isAlive</a:t>
+            </a:r>
+            <a:r>
+              <a:rPr lang="en-US" b="1" dirty="0"/>
+              <a:t>( ) </a:t>
+            </a:r>
+            <a:r>
+              <a:rPr lang="en-US" dirty="0"/>
+              <a:t>method returns </a:t>
+            </a:r>
+            <a:r>
+              <a:rPr lang="en-US" b="1" dirty="0"/>
+              <a:t>true </a:t>
+            </a:r>
+            <a:r>
+              <a:rPr lang="en-US" dirty="0"/>
+              <a:t>if the thread upon which it is called is still running. It </a:t>
+            </a:r>
+            <a:r>
+              <a:rPr lang="en-US" dirty="0" smtClean="0"/>
+              <a:t>returns </a:t>
+            </a:r>
+            <a:r>
+              <a:rPr lang="en-US" b="1" dirty="0" smtClean="0"/>
+              <a:t>false </a:t>
+            </a:r>
+            <a:r>
+              <a:rPr lang="en-US" dirty="0"/>
+              <a:t>otherwise.</a:t>
+            </a:r>
+            <a:endParaRPr lang="en-US" dirty="0" smtClean="0"/>
+          </a:p>
+        </p:txBody>
+      </p:sp>
+    </p:spTree>
+    <p:extLst>
+      <p:ext uri="{BB962C8B-B14F-4D97-AF65-F5344CB8AC3E}">
+        <p14:creationId xmlns:p14="http://schemas.microsoft.com/office/powerpoint/2010/main" val="230576325"/>
+      </p:ext>
+    </p:extLst>
+  </p:cSld>
+  <p:clrMapOvr>
+    <a:masterClrMapping/>
+  </p:clrMapOvr>
+  <p:timing>
+    <p:tnLst>
+      <p:par>
+        <p:cTn id="1" dur="indefinite" restart="never" nodeType="tmRoot"/>
+      </p:par>
+    </p:tnLst>
+  </p:timing>
+</p:sld>
+</file>
+
 <file path=ppt/slides/slide3.xml><?xml version="1.0" encoding="utf-8"?>
 <p:sld xmlns:a="http://schemas.openxmlformats.org/drawingml/2006/main" xmlns:r="http://schemas.openxmlformats.org/officeDocument/2006/relationships" xmlns:p="http://schemas.openxmlformats.org/presentationml/2006/main">
   <p:cSld>
@@ -7603,6 +8484,2193 @@
       </p:par>
     </p:tnLst>
   </p:timing>
+</p:sld>
+</file>
+
+<file path=ppt/slides/slide30.xml><?xml version="1.0" encoding="utf-8"?>
+<p:sld xmlns:a="http://schemas.openxmlformats.org/drawingml/2006/main" xmlns:r="http://schemas.openxmlformats.org/officeDocument/2006/relationships" xmlns:p="http://schemas.openxmlformats.org/presentationml/2006/main">
+  <p:cSld>
+    <p:spTree>
+      <p:nvGrpSpPr>
+        <p:cNvPr id="1" name=""/>
+        <p:cNvGrpSpPr/>
+        <p:nvPr/>
+      </p:nvGrpSpPr>
+      <p:grpSpPr>
+        <a:xfrm>
+          <a:off x="0" y="0"/>
+          <a:ext cx="0" cy="0"/>
+          <a:chOff x="0" y="0"/>
+          <a:chExt cx="0" cy="0"/>
+        </a:xfrm>
+      </p:grpSpPr>
+      <p:sp>
+        <p:nvSpPr>
+          <p:cNvPr id="2" name="Title 1"/>
+          <p:cNvSpPr>
+            <a:spLocks noGrp="1"/>
+          </p:cNvSpPr>
+          <p:nvPr>
+            <p:ph type="title"/>
+          </p:nvPr>
+        </p:nvSpPr>
+        <p:spPr/>
+        <p:txBody>
+          <a:bodyPr/>
+          <a:lstStyle/>
+          <a:p>
+            <a:endParaRPr lang="en-US"/>
+          </a:p>
+        </p:txBody>
+      </p:sp>
+      <p:sp>
+        <p:nvSpPr>
+          <p:cNvPr id="3" name="Content Placeholder 2"/>
+          <p:cNvSpPr>
+            <a:spLocks noGrp="1"/>
+          </p:cNvSpPr>
+          <p:nvPr>
+            <p:ph idx="1"/>
+          </p:nvPr>
+        </p:nvSpPr>
+        <p:spPr/>
+        <p:txBody>
+          <a:bodyPr>
+            <a:normAutofit/>
+          </a:bodyPr>
+          <a:lstStyle/>
+          <a:p>
+            <a:r>
+              <a:rPr lang="en-US" dirty="0"/>
+              <a:t>While </a:t>
+            </a:r>
+            <a:r>
+              <a:rPr lang="en-US" b="1" dirty="0" err="1"/>
+              <a:t>isAlive</a:t>
+            </a:r>
+            <a:r>
+              <a:rPr lang="en-US" b="1" dirty="0"/>
+              <a:t>( ) </a:t>
+            </a:r>
+            <a:r>
+              <a:rPr lang="en-US" dirty="0"/>
+              <a:t>is occasionally useful, the method that you will more commonly use </a:t>
+            </a:r>
+            <a:r>
+              <a:rPr lang="en-US" dirty="0" smtClean="0"/>
+              <a:t>to wait </a:t>
+            </a:r>
+            <a:r>
+              <a:rPr lang="en-US" dirty="0"/>
+              <a:t>for a thread to finish is called </a:t>
+            </a:r>
+            <a:r>
+              <a:rPr lang="en-US" b="1" dirty="0"/>
+              <a:t>join( )</a:t>
+            </a:r>
+            <a:r>
+              <a:rPr lang="en-US" dirty="0"/>
+              <a:t>, shown here</a:t>
+            </a:r>
+            <a:r>
+              <a:rPr lang="en-US" dirty="0" smtClean="0"/>
+              <a:t>:</a:t>
+            </a:r>
+          </a:p>
+          <a:p>
+            <a:pPr lvl="1"/>
+            <a:r>
+              <a:rPr lang="en-US" dirty="0"/>
+              <a:t>final void join( ) throws </a:t>
+            </a:r>
+            <a:r>
+              <a:rPr lang="en-US" dirty="0" err="1" smtClean="0"/>
+              <a:t>InterruptedException</a:t>
+            </a:r>
+            <a:endParaRPr lang="en-US" dirty="0" smtClean="0"/>
+          </a:p>
+          <a:p>
+            <a:r>
+              <a:rPr lang="en-US" dirty="0"/>
+              <a:t>This method waits until the thread on which it is called terminates. Its name comes from </a:t>
+            </a:r>
+            <a:r>
+              <a:rPr lang="en-US" dirty="0" smtClean="0"/>
+              <a:t>the concept </a:t>
+            </a:r>
+            <a:r>
+              <a:rPr lang="en-US" dirty="0"/>
+              <a:t>of the calling thread waiting until the specified thread </a:t>
+            </a:r>
+            <a:r>
+              <a:rPr lang="en-US" i="1" dirty="0"/>
+              <a:t>joins </a:t>
+            </a:r>
+            <a:r>
+              <a:rPr lang="en-US" dirty="0"/>
+              <a:t>it. </a:t>
+            </a:r>
+            <a:endParaRPr lang="en-US" dirty="0" smtClean="0"/>
+          </a:p>
+          <a:p>
+            <a:r>
+              <a:rPr lang="en-US" dirty="0" smtClean="0"/>
+              <a:t>Additional </a:t>
+            </a:r>
+            <a:r>
+              <a:rPr lang="en-US" dirty="0"/>
+              <a:t>forms </a:t>
+            </a:r>
+            <a:r>
+              <a:rPr lang="en-US" dirty="0" smtClean="0"/>
+              <a:t>of </a:t>
+            </a:r>
+            <a:r>
+              <a:rPr lang="en-US" b="1" dirty="0" smtClean="0"/>
+              <a:t>join</a:t>
+            </a:r>
+            <a:r>
+              <a:rPr lang="en-US" b="1" dirty="0"/>
+              <a:t>( ) </a:t>
+            </a:r>
+            <a:r>
+              <a:rPr lang="en-US" dirty="0"/>
+              <a:t>allow you to specify a maximum amount of time that you want to wait for the </a:t>
+            </a:r>
+            <a:r>
+              <a:rPr lang="en-US" dirty="0" smtClean="0"/>
+              <a:t>specified thread </a:t>
+            </a:r>
+            <a:r>
+              <a:rPr lang="en-US" dirty="0"/>
+              <a:t>to terminate.</a:t>
+            </a:r>
+            <a:endParaRPr lang="en-US" dirty="0"/>
+          </a:p>
+        </p:txBody>
+      </p:sp>
+    </p:spTree>
+    <p:extLst>
+      <p:ext uri="{BB962C8B-B14F-4D97-AF65-F5344CB8AC3E}">
+        <p14:creationId xmlns:p14="http://schemas.microsoft.com/office/powerpoint/2010/main" val="2895886070"/>
+      </p:ext>
+    </p:extLst>
+  </p:cSld>
+  <p:clrMapOvr>
+    <a:masterClrMapping/>
+  </p:clrMapOvr>
+  <p:timing>
+    <p:tnLst>
+      <p:par>
+        <p:cTn id="1" dur="indefinite" restart="never" nodeType="tmRoot"/>
+      </p:par>
+    </p:tnLst>
+  </p:timing>
+</p:sld>
+</file>
+
+<file path=ppt/slides/slide31.xml><?xml version="1.0" encoding="utf-8"?>
+<p:sld xmlns:a="http://schemas.openxmlformats.org/drawingml/2006/main" xmlns:r="http://schemas.openxmlformats.org/officeDocument/2006/relationships" xmlns:p="http://schemas.openxmlformats.org/presentationml/2006/main">
+  <p:cSld>
+    <p:spTree>
+      <p:nvGrpSpPr>
+        <p:cNvPr id="1" name=""/>
+        <p:cNvGrpSpPr/>
+        <p:nvPr/>
+      </p:nvGrpSpPr>
+      <p:grpSpPr>
+        <a:xfrm>
+          <a:off x="0" y="0"/>
+          <a:ext cx="0" cy="0"/>
+          <a:chOff x="0" y="0"/>
+          <a:chExt cx="0" cy="0"/>
+        </a:xfrm>
+      </p:grpSpPr>
+      <p:sp>
+        <p:nvSpPr>
+          <p:cNvPr id="2" name="Title 1"/>
+          <p:cNvSpPr>
+            <a:spLocks noGrp="1"/>
+          </p:cNvSpPr>
+          <p:nvPr>
+            <p:ph type="title"/>
+          </p:nvPr>
+        </p:nvSpPr>
+        <p:spPr>
+          <a:xfrm>
+            <a:off x="838200" y="365125"/>
+            <a:ext cx="10515600" cy="815975"/>
+          </a:xfrm>
+        </p:spPr>
+        <p:txBody>
+          <a:bodyPr/>
+          <a:lstStyle/>
+          <a:p>
+            <a:r>
+              <a:rPr lang="en-US" dirty="0" smtClean="0"/>
+              <a:t>Example</a:t>
+            </a:r>
+            <a:endParaRPr lang="en-US" dirty="0"/>
+          </a:p>
+        </p:txBody>
+      </p:sp>
+      <p:sp>
+        <p:nvSpPr>
+          <p:cNvPr id="3" name="Content Placeholder 2"/>
+          <p:cNvSpPr>
+            <a:spLocks noGrp="1"/>
+          </p:cNvSpPr>
+          <p:nvPr>
+            <p:ph idx="1"/>
+          </p:nvPr>
+        </p:nvSpPr>
+        <p:spPr>
+          <a:xfrm>
+            <a:off x="571500" y="1054100"/>
+            <a:ext cx="11010900" cy="5803900"/>
+          </a:xfrm>
+        </p:spPr>
+        <p:txBody>
+          <a:bodyPr>
+            <a:noAutofit/>
+          </a:bodyPr>
+          <a:lstStyle/>
+          <a:p>
+            <a:pPr marL="0" indent="0">
+              <a:buNone/>
+            </a:pPr>
+            <a:r>
+              <a:rPr lang="en-US" sz="1300" dirty="0"/>
+              <a:t>// Using join() to wait for threads to finish.</a:t>
+            </a:r>
+          </a:p>
+          <a:p>
+            <a:pPr marL="0" indent="0">
+              <a:buNone/>
+            </a:pPr>
+            <a:r>
+              <a:rPr lang="en-US" sz="1300" dirty="0"/>
+              <a:t>class </a:t>
+            </a:r>
+            <a:r>
+              <a:rPr lang="en-US" sz="1300" dirty="0" err="1"/>
+              <a:t>NewThread</a:t>
+            </a:r>
+            <a:r>
+              <a:rPr lang="en-US" sz="1300" dirty="0"/>
+              <a:t> implements Runnable {</a:t>
+            </a:r>
+          </a:p>
+          <a:p>
+            <a:pPr marL="0" indent="0">
+              <a:buNone/>
+            </a:pPr>
+            <a:r>
+              <a:rPr lang="en-US" sz="1300" dirty="0"/>
+              <a:t>String name; // name of thread</a:t>
+            </a:r>
+          </a:p>
+          <a:p>
+            <a:pPr marL="0" indent="0">
+              <a:buNone/>
+            </a:pPr>
+            <a:r>
+              <a:rPr lang="en-US" sz="1300" dirty="0"/>
+              <a:t>Thread t;</a:t>
+            </a:r>
+          </a:p>
+          <a:p>
+            <a:pPr marL="0" indent="0">
+              <a:buNone/>
+            </a:pPr>
+            <a:r>
+              <a:rPr lang="en-US" sz="1300" dirty="0" err="1"/>
+              <a:t>NewThread</a:t>
+            </a:r>
+            <a:r>
+              <a:rPr lang="en-US" sz="1300" dirty="0"/>
+              <a:t>(String </a:t>
+            </a:r>
+            <a:r>
+              <a:rPr lang="en-US" sz="1300" dirty="0" err="1"/>
+              <a:t>threadname</a:t>
+            </a:r>
+            <a:r>
+              <a:rPr lang="en-US" sz="1300" dirty="0"/>
+              <a:t>) {</a:t>
+            </a:r>
+          </a:p>
+          <a:p>
+            <a:pPr marL="0" indent="0">
+              <a:buNone/>
+            </a:pPr>
+            <a:r>
+              <a:rPr lang="en-US" sz="1300" dirty="0"/>
+              <a:t>name = </a:t>
+            </a:r>
+            <a:r>
+              <a:rPr lang="en-US" sz="1300" dirty="0" err="1"/>
+              <a:t>threadname</a:t>
+            </a:r>
+            <a:r>
+              <a:rPr lang="en-US" sz="1300" dirty="0"/>
+              <a:t>;</a:t>
+            </a:r>
+          </a:p>
+          <a:p>
+            <a:pPr marL="0" indent="0">
+              <a:buNone/>
+            </a:pPr>
+            <a:r>
+              <a:rPr lang="en-US" sz="1300" dirty="0"/>
+              <a:t>t = new Thread(this, name);</a:t>
+            </a:r>
+          </a:p>
+          <a:p>
+            <a:pPr marL="0" indent="0">
+              <a:buNone/>
+            </a:pPr>
+            <a:r>
+              <a:rPr lang="en-US" sz="1300" dirty="0" err="1"/>
+              <a:t>System.out.println</a:t>
+            </a:r>
+            <a:r>
+              <a:rPr lang="en-US" sz="1300" dirty="0"/>
+              <a:t>("New thread: " + t);</a:t>
+            </a:r>
+          </a:p>
+          <a:p>
+            <a:pPr marL="0" indent="0">
+              <a:buNone/>
+            </a:pPr>
+            <a:r>
+              <a:rPr lang="en-US" sz="1300" dirty="0" err="1"/>
+              <a:t>t.start</a:t>
+            </a:r>
+            <a:r>
+              <a:rPr lang="en-US" sz="1300" dirty="0"/>
+              <a:t>(); // Start the thread</a:t>
+            </a:r>
+          </a:p>
+          <a:p>
+            <a:pPr marL="0" indent="0">
+              <a:buNone/>
+            </a:pPr>
+            <a:r>
+              <a:rPr lang="en-US" sz="1300" dirty="0"/>
+              <a:t>}</a:t>
+            </a:r>
+          </a:p>
+          <a:p>
+            <a:pPr marL="0" indent="0">
+              <a:buNone/>
+            </a:pPr>
+            <a:r>
+              <a:rPr lang="en-US" sz="1300" dirty="0"/>
+              <a:t>// This is the entry point for thread.</a:t>
+            </a:r>
+          </a:p>
+          <a:p>
+            <a:pPr marL="0" indent="0">
+              <a:buNone/>
+            </a:pPr>
+            <a:r>
+              <a:rPr lang="en-US" sz="1300" dirty="0"/>
+              <a:t>public void run() {</a:t>
+            </a:r>
+          </a:p>
+          <a:p>
+            <a:pPr marL="0" indent="0">
+              <a:buNone/>
+            </a:pPr>
+            <a:r>
+              <a:rPr lang="en-US" sz="1300" dirty="0"/>
+              <a:t>try {</a:t>
+            </a:r>
+          </a:p>
+          <a:p>
+            <a:pPr marL="0" indent="0">
+              <a:buNone/>
+            </a:pPr>
+            <a:r>
+              <a:rPr lang="nn-NO" sz="1300" dirty="0"/>
+              <a:t>for(int i = 5; i &gt; 0; i--) {</a:t>
+            </a:r>
+          </a:p>
+          <a:p>
+            <a:pPr marL="0" indent="0">
+              <a:buNone/>
+            </a:pPr>
+            <a:r>
+              <a:rPr lang="en-US" sz="1300" dirty="0" err="1"/>
+              <a:t>System.out.println</a:t>
+            </a:r>
+            <a:r>
+              <a:rPr lang="en-US" sz="1300" dirty="0"/>
+              <a:t>(name + ": " + </a:t>
+            </a:r>
+            <a:r>
+              <a:rPr lang="en-US" sz="1300" dirty="0" err="1"/>
+              <a:t>i</a:t>
+            </a:r>
+            <a:r>
+              <a:rPr lang="en-US" sz="1300" dirty="0"/>
+              <a:t>);</a:t>
+            </a:r>
+          </a:p>
+          <a:p>
+            <a:pPr marL="0" indent="0">
+              <a:buNone/>
+            </a:pPr>
+            <a:r>
+              <a:rPr lang="en-US" sz="1300" dirty="0" err="1"/>
+              <a:t>Thread.sleep</a:t>
+            </a:r>
+            <a:r>
+              <a:rPr lang="en-US" sz="1300" dirty="0"/>
+              <a:t>(1000);</a:t>
+            </a:r>
+          </a:p>
+          <a:p>
+            <a:pPr marL="0" indent="0">
+              <a:buNone/>
+            </a:pPr>
+            <a:r>
+              <a:rPr lang="en-US" sz="1300" dirty="0"/>
+              <a:t>}</a:t>
+            </a:r>
+          </a:p>
+          <a:p>
+            <a:pPr marL="0" indent="0">
+              <a:buNone/>
+            </a:pPr>
+            <a:r>
+              <a:rPr lang="en-US" sz="1300" dirty="0"/>
+              <a:t>} catch (</a:t>
+            </a:r>
+            <a:r>
+              <a:rPr lang="en-US" sz="1300" dirty="0" err="1"/>
+              <a:t>InterruptedException</a:t>
+            </a:r>
+            <a:r>
+              <a:rPr lang="en-US" sz="1300" dirty="0"/>
+              <a:t> e) </a:t>
+            </a:r>
+            <a:r>
+              <a:rPr lang="en-US" sz="1300" dirty="0" smtClean="0"/>
+              <a:t>{ </a:t>
+            </a:r>
+            <a:r>
+              <a:rPr lang="en-US" sz="1300" dirty="0" err="1" smtClean="0"/>
+              <a:t>System.out.println</a:t>
+            </a:r>
+            <a:r>
+              <a:rPr lang="en-US" sz="1300" dirty="0" smtClean="0"/>
+              <a:t>(name + " interrupted."); }</a:t>
+            </a:r>
+            <a:endParaRPr lang="en-US" sz="1300" dirty="0"/>
+          </a:p>
+          <a:p>
+            <a:pPr marL="0" indent="0">
+              <a:buNone/>
+            </a:pPr>
+            <a:r>
+              <a:rPr lang="en-US" sz="1300" dirty="0" err="1"/>
+              <a:t>System.out.println</a:t>
+            </a:r>
+            <a:r>
+              <a:rPr lang="en-US" sz="1300" dirty="0"/>
+              <a:t>(name + " exiting</a:t>
+            </a:r>
+            <a:r>
+              <a:rPr lang="en-US" sz="1300" dirty="0" smtClean="0"/>
+              <a:t>.");}}</a:t>
+            </a:r>
+            <a:endParaRPr lang="en-US" sz="1300" dirty="0"/>
+          </a:p>
+        </p:txBody>
+      </p:sp>
+    </p:spTree>
+    <p:extLst>
+      <p:ext uri="{BB962C8B-B14F-4D97-AF65-F5344CB8AC3E}">
+        <p14:creationId xmlns:p14="http://schemas.microsoft.com/office/powerpoint/2010/main" val="2392224102"/>
+      </p:ext>
+    </p:extLst>
+  </p:cSld>
+  <p:clrMapOvr>
+    <a:masterClrMapping/>
+  </p:clrMapOvr>
+  <p:timing>
+    <p:tnLst>
+      <p:par>
+        <p:cTn id="1" dur="indefinite" restart="never" nodeType="tmRoot"/>
+      </p:par>
+    </p:tnLst>
+  </p:timing>
+</p:sld>
+</file>
+
+<file path=ppt/slides/slide32.xml><?xml version="1.0" encoding="utf-8"?>
+<p:sld xmlns:a="http://schemas.openxmlformats.org/drawingml/2006/main" xmlns:r="http://schemas.openxmlformats.org/officeDocument/2006/relationships" xmlns:p="http://schemas.openxmlformats.org/presentationml/2006/main">
+  <p:cSld>
+    <p:spTree>
+      <p:nvGrpSpPr>
+        <p:cNvPr id="1" name=""/>
+        <p:cNvGrpSpPr/>
+        <p:nvPr/>
+      </p:nvGrpSpPr>
+      <p:grpSpPr>
+        <a:xfrm>
+          <a:off x="0" y="0"/>
+          <a:ext cx="0" cy="0"/>
+          <a:chOff x="0" y="0"/>
+          <a:chExt cx="0" cy="0"/>
+        </a:xfrm>
+      </p:grpSpPr>
+      <p:sp>
+        <p:nvSpPr>
+          <p:cNvPr id="2" name="Title 1"/>
+          <p:cNvSpPr>
+            <a:spLocks noGrp="1"/>
+          </p:cNvSpPr>
+          <p:nvPr>
+            <p:ph type="title"/>
+          </p:nvPr>
+        </p:nvSpPr>
+        <p:spPr/>
+        <p:txBody>
+          <a:bodyPr/>
+          <a:lstStyle/>
+          <a:p>
+            <a:r>
+              <a:rPr lang="en-US" dirty="0" smtClean="0"/>
+              <a:t>Driving Method</a:t>
+            </a:r>
+            <a:endParaRPr lang="en-US" dirty="0"/>
+          </a:p>
+        </p:txBody>
+      </p:sp>
+      <p:sp>
+        <p:nvSpPr>
+          <p:cNvPr id="3" name="Content Placeholder 2"/>
+          <p:cNvSpPr>
+            <a:spLocks noGrp="1"/>
+          </p:cNvSpPr>
+          <p:nvPr>
+            <p:ph idx="1"/>
+          </p:nvPr>
+        </p:nvSpPr>
+        <p:spPr/>
+        <p:txBody>
+          <a:bodyPr>
+            <a:normAutofit fontScale="55000" lnSpcReduction="20000"/>
+          </a:bodyPr>
+          <a:lstStyle/>
+          <a:p>
+            <a:pPr marL="0" indent="0">
+              <a:buNone/>
+            </a:pPr>
+            <a:r>
+              <a:rPr lang="en-US" dirty="0"/>
+              <a:t>class </a:t>
+            </a:r>
+            <a:r>
+              <a:rPr lang="en-US" dirty="0" err="1"/>
+              <a:t>DemoJoin</a:t>
+            </a:r>
+            <a:r>
+              <a:rPr lang="en-US" dirty="0"/>
+              <a:t> {</a:t>
+            </a:r>
+          </a:p>
+          <a:p>
+            <a:pPr marL="0" indent="0">
+              <a:buNone/>
+            </a:pPr>
+            <a:r>
+              <a:rPr lang="en-US" dirty="0"/>
+              <a:t>public static void main(String </a:t>
+            </a:r>
+            <a:r>
+              <a:rPr lang="en-US" dirty="0" err="1"/>
+              <a:t>args</a:t>
+            </a:r>
+            <a:r>
+              <a:rPr lang="en-US" dirty="0"/>
+              <a:t>[]) {</a:t>
+            </a:r>
+          </a:p>
+          <a:p>
+            <a:pPr marL="0" indent="0">
+              <a:buNone/>
+            </a:pPr>
+            <a:r>
+              <a:rPr lang="en-US" dirty="0" err="1"/>
+              <a:t>NewThread</a:t>
+            </a:r>
+            <a:r>
+              <a:rPr lang="en-US" dirty="0"/>
+              <a:t> ob1 = new </a:t>
+            </a:r>
+            <a:r>
+              <a:rPr lang="en-US" dirty="0" err="1"/>
+              <a:t>NewThread</a:t>
+            </a:r>
+            <a:r>
+              <a:rPr lang="en-US" dirty="0"/>
+              <a:t>("One</a:t>
+            </a:r>
+            <a:r>
+              <a:rPr lang="en-US" dirty="0" smtClean="0"/>
+              <a:t>"); </a:t>
+            </a:r>
+            <a:r>
+              <a:rPr lang="en-US" dirty="0" err="1" smtClean="0"/>
+              <a:t>NewThread</a:t>
+            </a:r>
+            <a:r>
+              <a:rPr lang="en-US" dirty="0" smtClean="0"/>
+              <a:t> </a:t>
+            </a:r>
+            <a:r>
+              <a:rPr lang="en-US" dirty="0"/>
+              <a:t>ob2 = new </a:t>
+            </a:r>
+            <a:r>
+              <a:rPr lang="en-US" dirty="0" err="1"/>
+              <a:t>NewThread</a:t>
+            </a:r>
+            <a:r>
+              <a:rPr lang="en-US" dirty="0"/>
+              <a:t>("Two</a:t>
+            </a:r>
+            <a:r>
+              <a:rPr lang="en-US" dirty="0" smtClean="0"/>
+              <a:t>"); </a:t>
+            </a:r>
+            <a:r>
+              <a:rPr lang="en-US" dirty="0" err="1" smtClean="0"/>
+              <a:t>NewThread</a:t>
+            </a:r>
+            <a:r>
+              <a:rPr lang="en-US" dirty="0" smtClean="0"/>
+              <a:t> </a:t>
+            </a:r>
+            <a:r>
+              <a:rPr lang="en-US" dirty="0"/>
+              <a:t>ob3 = new </a:t>
+            </a:r>
+            <a:r>
+              <a:rPr lang="en-US" dirty="0" err="1"/>
+              <a:t>NewThread</a:t>
+            </a:r>
+            <a:r>
+              <a:rPr lang="en-US" dirty="0"/>
+              <a:t>("Three</a:t>
+            </a:r>
+            <a:r>
+              <a:rPr lang="en-US" dirty="0" smtClean="0"/>
+              <a:t>");</a:t>
+            </a:r>
+          </a:p>
+          <a:p>
+            <a:pPr marL="0" indent="0">
+              <a:buNone/>
+            </a:pPr>
+            <a:r>
+              <a:rPr lang="en-US" dirty="0" err="1"/>
+              <a:t>System.out.println</a:t>
+            </a:r>
+            <a:r>
+              <a:rPr lang="en-US" dirty="0"/>
+              <a:t>("Thread One is alive: </a:t>
+            </a:r>
+            <a:r>
+              <a:rPr lang="en-US" dirty="0" smtClean="0"/>
+              <a:t>“ + </a:t>
+            </a:r>
+            <a:r>
+              <a:rPr lang="en-US" dirty="0"/>
+              <a:t>ob1.t.isAlive());</a:t>
+            </a:r>
+          </a:p>
+          <a:p>
+            <a:pPr marL="0" indent="0">
+              <a:buNone/>
+            </a:pPr>
+            <a:r>
+              <a:rPr lang="en-US" dirty="0" err="1"/>
+              <a:t>System.out.println</a:t>
+            </a:r>
+            <a:r>
+              <a:rPr lang="en-US" dirty="0"/>
+              <a:t>("Thread Two is alive: </a:t>
+            </a:r>
+            <a:r>
+              <a:rPr lang="en-US" dirty="0" smtClean="0"/>
+              <a:t>“ + </a:t>
+            </a:r>
+            <a:r>
+              <a:rPr lang="en-US" dirty="0"/>
+              <a:t>ob2.t.isAlive());</a:t>
+            </a:r>
+          </a:p>
+          <a:p>
+            <a:pPr marL="0" indent="0">
+              <a:buNone/>
+            </a:pPr>
+            <a:r>
+              <a:rPr lang="en-US" dirty="0" err="1"/>
+              <a:t>System.out.println</a:t>
+            </a:r>
+            <a:r>
+              <a:rPr lang="en-US" dirty="0"/>
+              <a:t>("Thread Three is alive: </a:t>
+            </a:r>
+            <a:r>
+              <a:rPr lang="en-US" dirty="0" smtClean="0"/>
+              <a:t>“ + </a:t>
+            </a:r>
+            <a:r>
+              <a:rPr lang="en-US" dirty="0"/>
+              <a:t>ob3.t.isAlive());</a:t>
+            </a:r>
+          </a:p>
+          <a:p>
+            <a:pPr marL="0" indent="0">
+              <a:buNone/>
+            </a:pPr>
+            <a:r>
+              <a:rPr lang="en-US" dirty="0"/>
+              <a:t>// wait for threads to finish</a:t>
+            </a:r>
+          </a:p>
+          <a:p>
+            <a:pPr marL="0" indent="0">
+              <a:buNone/>
+            </a:pPr>
+            <a:r>
+              <a:rPr lang="en-US" dirty="0"/>
+              <a:t>try {</a:t>
+            </a:r>
+          </a:p>
+          <a:p>
+            <a:pPr marL="0" indent="0">
+              <a:buNone/>
+            </a:pPr>
+            <a:r>
+              <a:rPr lang="en-US" dirty="0" err="1"/>
+              <a:t>System.out.println</a:t>
+            </a:r>
+            <a:r>
+              <a:rPr lang="en-US" dirty="0"/>
+              <a:t>("Waiting for threads to finish.");</a:t>
+            </a:r>
+          </a:p>
+          <a:p>
+            <a:pPr marL="0" indent="0">
+              <a:buNone/>
+            </a:pPr>
+            <a:r>
+              <a:rPr lang="en-US" dirty="0"/>
+              <a:t>ob1.t.join</a:t>
+            </a:r>
+            <a:r>
+              <a:rPr lang="en-US" dirty="0" smtClean="0"/>
+              <a:t>(); ob2.t.join(); ob3.t.join</a:t>
+            </a:r>
+            <a:r>
+              <a:rPr lang="en-US" dirty="0"/>
+              <a:t>();</a:t>
+            </a:r>
+          </a:p>
+          <a:p>
+            <a:pPr marL="0" indent="0">
+              <a:buNone/>
+            </a:pPr>
+            <a:r>
+              <a:rPr lang="en-US" dirty="0"/>
+              <a:t>} catch (</a:t>
+            </a:r>
+            <a:r>
+              <a:rPr lang="en-US" dirty="0" err="1"/>
+              <a:t>InterruptedException</a:t>
+            </a:r>
+            <a:r>
+              <a:rPr lang="en-US" dirty="0"/>
+              <a:t> e) </a:t>
+            </a:r>
+            <a:r>
+              <a:rPr lang="en-US" dirty="0" smtClean="0"/>
+              <a:t>{ </a:t>
+            </a:r>
+            <a:r>
+              <a:rPr lang="en-US" dirty="0" err="1" smtClean="0"/>
+              <a:t>System.out.println</a:t>
+            </a:r>
+            <a:r>
+              <a:rPr lang="en-US" dirty="0"/>
+              <a:t>("Main thread Interrupted</a:t>
+            </a:r>
+            <a:r>
+              <a:rPr lang="en-US" dirty="0" smtClean="0"/>
+              <a:t>");}</a:t>
+            </a:r>
+            <a:endParaRPr lang="en-US" dirty="0"/>
+          </a:p>
+          <a:p>
+            <a:pPr marL="0" indent="0">
+              <a:buNone/>
+            </a:pPr>
+            <a:r>
+              <a:rPr lang="en-US" dirty="0" err="1"/>
+              <a:t>System.out.println</a:t>
+            </a:r>
+            <a:r>
+              <a:rPr lang="en-US" dirty="0"/>
+              <a:t>("Thread One is alive: </a:t>
+            </a:r>
+            <a:r>
+              <a:rPr lang="en-US" dirty="0" smtClean="0"/>
+              <a:t>“ + </a:t>
+            </a:r>
+            <a:r>
+              <a:rPr lang="en-US" dirty="0"/>
+              <a:t>ob1.t.isAlive());</a:t>
+            </a:r>
+          </a:p>
+          <a:p>
+            <a:pPr marL="0" indent="0">
+              <a:buNone/>
+            </a:pPr>
+            <a:r>
+              <a:rPr lang="en-US" dirty="0" err="1"/>
+              <a:t>System.out.println</a:t>
+            </a:r>
+            <a:r>
+              <a:rPr lang="en-US" dirty="0"/>
+              <a:t>("Thread Two is alive: </a:t>
+            </a:r>
+            <a:r>
+              <a:rPr lang="en-US" dirty="0" smtClean="0"/>
+              <a:t>“ + </a:t>
+            </a:r>
+            <a:r>
+              <a:rPr lang="en-US" dirty="0"/>
+              <a:t>ob2.t.isAlive());</a:t>
+            </a:r>
+          </a:p>
+          <a:p>
+            <a:pPr marL="0" indent="0">
+              <a:buNone/>
+            </a:pPr>
+            <a:r>
+              <a:rPr lang="en-US" dirty="0" err="1"/>
+              <a:t>System.out.println</a:t>
+            </a:r>
+            <a:r>
+              <a:rPr lang="en-US" dirty="0"/>
+              <a:t>("Thread Three is alive: </a:t>
+            </a:r>
+            <a:r>
+              <a:rPr lang="en-US" dirty="0" smtClean="0"/>
+              <a:t>“ + </a:t>
+            </a:r>
+            <a:r>
+              <a:rPr lang="en-US" dirty="0"/>
+              <a:t>ob3.t.isAlive());</a:t>
+            </a:r>
+          </a:p>
+          <a:p>
+            <a:pPr marL="0" indent="0">
+              <a:buNone/>
+            </a:pPr>
+            <a:r>
+              <a:rPr lang="en-US" dirty="0" err="1"/>
+              <a:t>System.out.println</a:t>
+            </a:r>
+            <a:r>
+              <a:rPr lang="en-US" dirty="0"/>
+              <a:t>("Main thread exiting</a:t>
+            </a:r>
+            <a:r>
+              <a:rPr lang="en-US" dirty="0" smtClean="0"/>
+              <a:t>.");}}</a:t>
+            </a:r>
+            <a:endParaRPr lang="en-US" dirty="0"/>
+          </a:p>
+        </p:txBody>
+      </p:sp>
+    </p:spTree>
+    <p:extLst>
+      <p:ext uri="{BB962C8B-B14F-4D97-AF65-F5344CB8AC3E}">
+        <p14:creationId xmlns:p14="http://schemas.microsoft.com/office/powerpoint/2010/main" val="1931345912"/>
+      </p:ext>
+    </p:extLst>
+  </p:cSld>
+  <p:clrMapOvr>
+    <a:masterClrMapping/>
+  </p:clrMapOvr>
+  <p:timing>
+    <p:tnLst>
+      <p:par>
+        <p:cTn id="1" dur="indefinite" restart="never" nodeType="tmRoot"/>
+      </p:par>
+    </p:tnLst>
+  </p:timing>
+</p:sld>
+</file>
+
+<file path=ppt/slides/slide33.xml><?xml version="1.0" encoding="utf-8"?>
+<p:sld xmlns:a="http://schemas.openxmlformats.org/drawingml/2006/main" xmlns:r="http://schemas.openxmlformats.org/officeDocument/2006/relationships" xmlns:p="http://schemas.openxmlformats.org/presentationml/2006/main">
+  <p:cSld>
+    <p:spTree>
+      <p:nvGrpSpPr>
+        <p:cNvPr id="1" name=""/>
+        <p:cNvGrpSpPr/>
+        <p:nvPr/>
+      </p:nvGrpSpPr>
+      <p:grpSpPr>
+        <a:xfrm>
+          <a:off x="0" y="0"/>
+          <a:ext cx="0" cy="0"/>
+          <a:chOff x="0" y="0"/>
+          <a:chExt cx="0" cy="0"/>
+        </a:xfrm>
+      </p:grpSpPr>
+      <p:sp>
+        <p:nvSpPr>
+          <p:cNvPr id="2" name="Title 1"/>
+          <p:cNvSpPr>
+            <a:spLocks noGrp="1"/>
+          </p:cNvSpPr>
+          <p:nvPr>
+            <p:ph type="title"/>
+          </p:nvPr>
+        </p:nvSpPr>
+        <p:spPr/>
+        <p:txBody>
+          <a:bodyPr/>
+          <a:lstStyle/>
+          <a:p>
+            <a:r>
+              <a:rPr lang="en-US" b="1" dirty="0"/>
+              <a:t>Thread Priorities</a:t>
+            </a:r>
+            <a:endParaRPr lang="en-US" dirty="0"/>
+          </a:p>
+        </p:txBody>
+      </p:sp>
+      <p:sp>
+        <p:nvSpPr>
+          <p:cNvPr id="3" name="Content Placeholder 2"/>
+          <p:cNvSpPr>
+            <a:spLocks noGrp="1"/>
+          </p:cNvSpPr>
+          <p:nvPr>
+            <p:ph idx="1"/>
+          </p:nvPr>
+        </p:nvSpPr>
+        <p:spPr/>
+        <p:txBody>
+          <a:bodyPr>
+            <a:normAutofit fontScale="92500"/>
+          </a:bodyPr>
+          <a:lstStyle/>
+          <a:p>
+            <a:pPr algn="just">
+              <a:lnSpc>
+                <a:spcPct val="110000"/>
+              </a:lnSpc>
+            </a:pPr>
+            <a:r>
+              <a:rPr lang="en-US" sz="2500" dirty="0"/>
+              <a:t>Thread priorities are used by the thread scheduler to decide when each thread should </a:t>
+            </a:r>
+            <a:r>
+              <a:rPr lang="en-US" sz="2500" dirty="0" smtClean="0"/>
+              <a:t>be allowed </a:t>
+            </a:r>
+            <a:r>
+              <a:rPr lang="en-US" sz="2500" dirty="0"/>
+              <a:t>to run</a:t>
+            </a:r>
+            <a:r>
+              <a:rPr lang="en-US" sz="2500" dirty="0" smtClean="0"/>
+              <a:t>.</a:t>
+            </a:r>
+          </a:p>
+          <a:p>
+            <a:pPr algn="just">
+              <a:lnSpc>
+                <a:spcPct val="110000"/>
+              </a:lnSpc>
+            </a:pPr>
+            <a:r>
+              <a:rPr lang="en-US" sz="2500" dirty="0"/>
+              <a:t>In theory, higher-priority threads get more CPU time than </a:t>
+            </a:r>
+            <a:r>
+              <a:rPr lang="en-US" sz="2500" dirty="0" smtClean="0"/>
+              <a:t>lower-priority threads.</a:t>
+            </a:r>
+          </a:p>
+          <a:p>
+            <a:pPr algn="just">
+              <a:lnSpc>
+                <a:spcPct val="110000"/>
+              </a:lnSpc>
+            </a:pPr>
+            <a:r>
+              <a:rPr lang="en-US" sz="2500" dirty="0"/>
+              <a:t>In practice, the amount of CPU time that a thread gets often depends on </a:t>
+            </a:r>
+            <a:r>
+              <a:rPr lang="en-US" sz="2500" dirty="0" smtClean="0"/>
+              <a:t>several factors </a:t>
+            </a:r>
+            <a:r>
+              <a:rPr lang="en-US" sz="2500" dirty="0"/>
+              <a:t>besides its priority. </a:t>
+            </a:r>
+            <a:endParaRPr lang="en-US" sz="2500" dirty="0" smtClean="0"/>
+          </a:p>
+          <a:p>
+            <a:pPr lvl="1">
+              <a:lnSpc>
+                <a:spcPct val="110000"/>
+              </a:lnSpc>
+            </a:pPr>
+            <a:r>
+              <a:rPr lang="en-US" sz="2200" dirty="0" smtClean="0"/>
+              <a:t>For </a:t>
+            </a:r>
+            <a:r>
+              <a:rPr lang="en-US" sz="2200" dirty="0"/>
+              <a:t>example, how an operating system implements </a:t>
+            </a:r>
+            <a:r>
+              <a:rPr lang="en-US" sz="2200" dirty="0" smtClean="0"/>
+              <a:t>multitasking can </a:t>
+            </a:r>
+            <a:r>
+              <a:rPr lang="en-US" sz="2200" dirty="0"/>
+              <a:t>affect the relative availability of CPU time</a:t>
+            </a:r>
+            <a:r>
+              <a:rPr lang="en-US" sz="2200" dirty="0" smtClean="0"/>
+              <a:t>.</a:t>
+            </a:r>
+          </a:p>
+          <a:p>
+            <a:pPr algn="just">
+              <a:lnSpc>
+                <a:spcPct val="110000"/>
+              </a:lnSpc>
+            </a:pPr>
+            <a:r>
+              <a:rPr lang="en-US" sz="2500" dirty="0"/>
+              <a:t>A higher-priority thread can also preempt </a:t>
+            </a:r>
+            <a:r>
+              <a:rPr lang="en-US" sz="2500" dirty="0" smtClean="0"/>
+              <a:t>a lower-priority </a:t>
+            </a:r>
+            <a:r>
+              <a:rPr lang="en-US" sz="2500" dirty="0"/>
+              <a:t>one. For instance, when a lower-priority thread is running and a </a:t>
+            </a:r>
+            <a:r>
+              <a:rPr lang="en-US" sz="2500" dirty="0" smtClean="0"/>
+              <a:t>higher-priority thread </a:t>
+            </a:r>
+            <a:r>
+              <a:rPr lang="en-US" sz="2500" dirty="0"/>
+              <a:t>resumes (from sleeping or waiting on I/O, for example), it will preempt the </a:t>
+            </a:r>
+            <a:r>
+              <a:rPr lang="en-US" sz="2500" dirty="0" err="1" smtClean="0"/>
+              <a:t>lowerpriority</a:t>
+            </a:r>
+            <a:r>
+              <a:rPr lang="en-US" sz="2500" dirty="0"/>
+              <a:t> </a:t>
+            </a:r>
+            <a:r>
+              <a:rPr lang="en-US" sz="2500" dirty="0" smtClean="0"/>
+              <a:t>thread</a:t>
+            </a:r>
+            <a:r>
+              <a:rPr lang="en-US" sz="2500" dirty="0"/>
+              <a:t>.</a:t>
+            </a:r>
+            <a:endParaRPr lang="en-US" sz="2500" dirty="0"/>
+          </a:p>
+        </p:txBody>
+      </p:sp>
+    </p:spTree>
+    <p:extLst>
+      <p:ext uri="{BB962C8B-B14F-4D97-AF65-F5344CB8AC3E}">
+        <p14:creationId xmlns:p14="http://schemas.microsoft.com/office/powerpoint/2010/main" val="1088449719"/>
+      </p:ext>
+    </p:extLst>
+  </p:cSld>
+  <p:clrMapOvr>
+    <a:masterClrMapping/>
+  </p:clrMapOvr>
+  <p:timing>
+    <p:tnLst>
+      <p:par>
+        <p:cTn id="1" dur="indefinite" restart="never" nodeType="tmRoot"/>
+      </p:par>
+    </p:tnLst>
+  </p:timing>
+</p:sld>
+</file>
+
+<file path=ppt/slides/slide34.xml><?xml version="1.0" encoding="utf-8"?>
+<p:sld xmlns:a="http://schemas.openxmlformats.org/drawingml/2006/main" xmlns:r="http://schemas.openxmlformats.org/officeDocument/2006/relationships" xmlns:p="http://schemas.openxmlformats.org/presentationml/2006/main">
+  <p:cSld>
+    <p:spTree>
+      <p:nvGrpSpPr>
+        <p:cNvPr id="1" name=""/>
+        <p:cNvGrpSpPr/>
+        <p:nvPr/>
+      </p:nvGrpSpPr>
+      <p:grpSpPr>
+        <a:xfrm>
+          <a:off x="0" y="0"/>
+          <a:ext cx="0" cy="0"/>
+          <a:chOff x="0" y="0"/>
+          <a:chExt cx="0" cy="0"/>
+        </a:xfrm>
+      </p:grpSpPr>
+      <p:sp>
+        <p:nvSpPr>
+          <p:cNvPr id="2" name="Title 1"/>
+          <p:cNvSpPr>
+            <a:spLocks noGrp="1"/>
+          </p:cNvSpPr>
+          <p:nvPr>
+            <p:ph type="title"/>
+          </p:nvPr>
+        </p:nvSpPr>
+        <p:spPr/>
+        <p:txBody>
+          <a:bodyPr/>
+          <a:lstStyle/>
+          <a:p>
+            <a:endParaRPr lang="en-US"/>
+          </a:p>
+        </p:txBody>
+      </p:sp>
+      <p:sp>
+        <p:nvSpPr>
+          <p:cNvPr id="3" name="Content Placeholder 2"/>
+          <p:cNvSpPr>
+            <a:spLocks noGrp="1"/>
+          </p:cNvSpPr>
+          <p:nvPr>
+            <p:ph idx="1"/>
+          </p:nvPr>
+        </p:nvSpPr>
+        <p:spPr/>
+        <p:txBody>
+          <a:bodyPr>
+            <a:normAutofit lnSpcReduction="10000"/>
+          </a:bodyPr>
+          <a:lstStyle/>
+          <a:p>
+            <a:pPr algn="just">
+              <a:lnSpc>
+                <a:spcPct val="100000"/>
+              </a:lnSpc>
+            </a:pPr>
+            <a:r>
+              <a:rPr lang="en-US" sz="2500" dirty="0"/>
+              <a:t>To set a thread’s priority, use the </a:t>
+            </a:r>
+            <a:r>
+              <a:rPr lang="en-US" sz="2500" b="1" dirty="0" err="1"/>
+              <a:t>setPriority</a:t>
+            </a:r>
+            <a:r>
+              <a:rPr lang="en-US" sz="2500" b="1" dirty="0"/>
+              <a:t>( ) </a:t>
+            </a:r>
+            <a:r>
+              <a:rPr lang="en-US" sz="2500" dirty="0"/>
+              <a:t>method, which is a member of </a:t>
+            </a:r>
+            <a:r>
+              <a:rPr lang="en-US" sz="2500" b="1" dirty="0" smtClean="0"/>
+              <a:t>Thread</a:t>
+            </a:r>
+            <a:r>
+              <a:rPr lang="en-US" sz="2500" dirty="0" smtClean="0"/>
+              <a:t>. This </a:t>
+            </a:r>
+            <a:r>
+              <a:rPr lang="en-US" sz="2500" dirty="0"/>
+              <a:t>is its general form</a:t>
+            </a:r>
+            <a:r>
+              <a:rPr lang="en-US" sz="2500" dirty="0" smtClean="0"/>
+              <a:t>:</a:t>
+            </a:r>
+          </a:p>
+          <a:p>
+            <a:pPr lvl="2" algn="just">
+              <a:lnSpc>
+                <a:spcPct val="100000"/>
+              </a:lnSpc>
+            </a:pPr>
+            <a:r>
+              <a:rPr lang="en-US" sz="1700" dirty="0" smtClean="0"/>
+              <a:t>final void </a:t>
+            </a:r>
+            <a:r>
+              <a:rPr lang="en-US" sz="1700" dirty="0" err="1" smtClean="0"/>
+              <a:t>setPriority</a:t>
+            </a:r>
+            <a:r>
+              <a:rPr lang="en-US" sz="1700" dirty="0" smtClean="0"/>
+              <a:t>(</a:t>
+            </a:r>
+            <a:r>
+              <a:rPr lang="en-US" sz="1700" dirty="0" err="1" smtClean="0"/>
+              <a:t>int</a:t>
+            </a:r>
+            <a:r>
+              <a:rPr lang="en-US" sz="1700" dirty="0" smtClean="0"/>
+              <a:t> level)</a:t>
+            </a:r>
+          </a:p>
+          <a:p>
+            <a:pPr algn="just">
+              <a:lnSpc>
+                <a:spcPct val="100000"/>
+              </a:lnSpc>
+            </a:pPr>
+            <a:r>
+              <a:rPr lang="en-US" sz="2500" dirty="0"/>
+              <a:t>Here, </a:t>
+            </a:r>
+            <a:r>
+              <a:rPr lang="en-US" sz="2500" i="1" dirty="0"/>
+              <a:t>level </a:t>
+            </a:r>
+            <a:r>
+              <a:rPr lang="en-US" sz="2500" dirty="0"/>
+              <a:t>specifies the new priority setting for the calling thread. The value of </a:t>
+            </a:r>
+            <a:r>
+              <a:rPr lang="en-US" sz="2500" i="1" dirty="0"/>
+              <a:t>level </a:t>
+            </a:r>
+            <a:r>
+              <a:rPr lang="en-US" sz="2500" dirty="0"/>
+              <a:t>must </a:t>
+            </a:r>
+            <a:r>
+              <a:rPr lang="en-US" sz="2500" dirty="0" smtClean="0"/>
+              <a:t>be within </a:t>
+            </a:r>
+            <a:r>
+              <a:rPr lang="en-US" sz="2500" dirty="0"/>
+              <a:t>the range </a:t>
+            </a:r>
+            <a:r>
+              <a:rPr lang="en-US" sz="2500" b="1" dirty="0"/>
+              <a:t>MIN_PRIORITY </a:t>
+            </a:r>
+            <a:r>
+              <a:rPr lang="en-US" sz="2500" dirty="0" smtClean="0"/>
+              <a:t>and </a:t>
+            </a:r>
+            <a:r>
+              <a:rPr lang="en-US" sz="2500" b="1" dirty="0" smtClean="0"/>
+              <a:t>MAX_PRIORITY</a:t>
+            </a:r>
+            <a:r>
+              <a:rPr lang="en-US" sz="2500" dirty="0"/>
+              <a:t>. Currently, these values are 1 </a:t>
+            </a:r>
+            <a:r>
+              <a:rPr lang="en-US" sz="2500" dirty="0" smtClean="0"/>
+              <a:t>and 10</a:t>
+            </a:r>
+            <a:r>
+              <a:rPr lang="en-US" sz="2500" dirty="0"/>
+              <a:t>, respectively. To return a thread to default priority, specify </a:t>
+            </a:r>
+            <a:r>
+              <a:rPr lang="en-US" sz="2500" b="1" dirty="0"/>
+              <a:t>NORM_PRIORITY</a:t>
+            </a:r>
+            <a:r>
+              <a:rPr lang="en-US" sz="2500" dirty="0"/>
+              <a:t>, which </a:t>
+            </a:r>
+            <a:r>
+              <a:rPr lang="en-US" sz="2500" dirty="0" smtClean="0"/>
+              <a:t>is currently </a:t>
+            </a:r>
+            <a:r>
+              <a:rPr lang="en-US" sz="2500" dirty="0"/>
+              <a:t>5. </a:t>
+            </a:r>
+            <a:endParaRPr lang="en-US" sz="2500" dirty="0" smtClean="0"/>
+          </a:p>
+          <a:p>
+            <a:pPr algn="just">
+              <a:lnSpc>
+                <a:spcPct val="100000"/>
+              </a:lnSpc>
+            </a:pPr>
+            <a:r>
+              <a:rPr lang="en-US" sz="2500" dirty="0" smtClean="0"/>
+              <a:t>These </a:t>
+            </a:r>
+            <a:r>
+              <a:rPr lang="en-US" sz="2500" dirty="0"/>
+              <a:t>priorities are defined as </a:t>
+            </a:r>
+            <a:r>
+              <a:rPr lang="en-US" sz="2500" b="1" dirty="0"/>
+              <a:t>static final </a:t>
+            </a:r>
+            <a:r>
+              <a:rPr lang="en-US" sz="2500" dirty="0"/>
+              <a:t>variables within </a:t>
+            </a:r>
+            <a:r>
+              <a:rPr lang="en-US" sz="2500" b="1" dirty="0"/>
+              <a:t>Thread</a:t>
+            </a:r>
+            <a:r>
+              <a:rPr lang="en-US" sz="2500" dirty="0" smtClean="0"/>
+              <a:t>.</a:t>
+            </a:r>
+          </a:p>
+          <a:p>
+            <a:pPr algn="just">
+              <a:lnSpc>
+                <a:spcPct val="100000"/>
+              </a:lnSpc>
+            </a:pPr>
+            <a:r>
+              <a:rPr lang="en-US" sz="2500" dirty="0" smtClean="0"/>
+              <a:t>You can obtain the current priority setting by calling the </a:t>
+            </a:r>
+            <a:r>
+              <a:rPr lang="en-US" sz="2500" dirty="0" err="1" smtClean="0"/>
+              <a:t>getPriority</a:t>
+            </a:r>
+            <a:r>
+              <a:rPr lang="en-US" sz="2500" dirty="0" smtClean="0"/>
+              <a:t>() method of Thread, shown here:</a:t>
+            </a:r>
+          </a:p>
+          <a:p>
+            <a:pPr lvl="2" algn="just">
+              <a:lnSpc>
+                <a:spcPct val="100000"/>
+              </a:lnSpc>
+            </a:pPr>
+            <a:r>
+              <a:rPr lang="en-US" sz="1700" dirty="0"/>
+              <a:t>f</a:t>
+            </a:r>
+            <a:r>
+              <a:rPr lang="en-US" sz="1700" dirty="0" smtClean="0"/>
+              <a:t>inal </a:t>
+            </a:r>
+            <a:r>
+              <a:rPr lang="en-US" sz="1700" dirty="0" err="1" smtClean="0"/>
+              <a:t>int</a:t>
+            </a:r>
+            <a:r>
+              <a:rPr lang="en-US" sz="1700" dirty="0" smtClean="0"/>
+              <a:t> </a:t>
+            </a:r>
+            <a:r>
+              <a:rPr lang="en-US" sz="1700" dirty="0" err="1" smtClean="0"/>
+              <a:t>getPriority</a:t>
+            </a:r>
+            <a:r>
+              <a:rPr lang="en-US" sz="1700" dirty="0" smtClean="0"/>
+              <a:t>()</a:t>
+            </a:r>
+            <a:endParaRPr lang="en-US" sz="1700" dirty="0"/>
+          </a:p>
+        </p:txBody>
+      </p:sp>
+    </p:spTree>
+    <p:extLst>
+      <p:ext uri="{BB962C8B-B14F-4D97-AF65-F5344CB8AC3E}">
+        <p14:creationId xmlns:p14="http://schemas.microsoft.com/office/powerpoint/2010/main" val="1123134745"/>
+      </p:ext>
+    </p:extLst>
+  </p:cSld>
+  <p:clrMapOvr>
+    <a:masterClrMapping/>
+  </p:clrMapOvr>
+  <p:timing>
+    <p:tnLst>
+      <p:par>
+        <p:cTn id="1" dur="indefinite" restart="never" nodeType="tmRoot"/>
+      </p:par>
+    </p:tnLst>
+  </p:timing>
+</p:sld>
+</file>
+
+<file path=ppt/slides/slide35.xml><?xml version="1.0" encoding="utf-8"?>
+<p:sld xmlns:a="http://schemas.openxmlformats.org/drawingml/2006/main" xmlns:r="http://schemas.openxmlformats.org/officeDocument/2006/relationships" xmlns:p="http://schemas.openxmlformats.org/presentationml/2006/main">
+  <p:cSld>
+    <p:spTree>
+      <p:nvGrpSpPr>
+        <p:cNvPr id="1" name=""/>
+        <p:cNvGrpSpPr/>
+        <p:nvPr/>
+      </p:nvGrpSpPr>
+      <p:grpSpPr>
+        <a:xfrm>
+          <a:off x="0" y="0"/>
+          <a:ext cx="0" cy="0"/>
+          <a:chOff x="0" y="0"/>
+          <a:chExt cx="0" cy="0"/>
+        </a:xfrm>
+      </p:grpSpPr>
+      <p:sp>
+        <p:nvSpPr>
+          <p:cNvPr id="2" name="Title 1"/>
+          <p:cNvSpPr>
+            <a:spLocks noGrp="1"/>
+          </p:cNvSpPr>
+          <p:nvPr>
+            <p:ph type="title"/>
+          </p:nvPr>
+        </p:nvSpPr>
+        <p:spPr/>
+        <p:txBody>
+          <a:bodyPr/>
+          <a:lstStyle/>
+          <a:p>
+            <a:r>
+              <a:rPr lang="en-US" dirty="0" smtClean="0"/>
+              <a:t>Example	</a:t>
+            </a:r>
+            <a:endParaRPr lang="en-US" dirty="0"/>
+          </a:p>
+        </p:txBody>
+      </p:sp>
+      <p:sp>
+        <p:nvSpPr>
+          <p:cNvPr id="3" name="Content Placeholder 2"/>
+          <p:cNvSpPr>
+            <a:spLocks noGrp="1"/>
+          </p:cNvSpPr>
+          <p:nvPr>
+            <p:ph idx="1"/>
+          </p:nvPr>
+        </p:nvSpPr>
+        <p:spPr>
+          <a:xfrm>
+            <a:off x="673100" y="1409700"/>
+            <a:ext cx="10680700" cy="4767263"/>
+          </a:xfrm>
+        </p:spPr>
+        <p:txBody>
+          <a:bodyPr>
+            <a:normAutofit fontScale="62500" lnSpcReduction="20000"/>
+          </a:bodyPr>
+          <a:lstStyle/>
+          <a:p>
+            <a:pPr marL="0" indent="0">
+              <a:buNone/>
+            </a:pPr>
+            <a:r>
+              <a:rPr lang="en-US" dirty="0"/>
+              <a:t>class clicker implements Runnable {</a:t>
+            </a:r>
+          </a:p>
+          <a:p>
+            <a:pPr marL="0" indent="0">
+              <a:buNone/>
+            </a:pPr>
+            <a:r>
+              <a:rPr lang="en-US" dirty="0"/>
+              <a:t>long click = 0;</a:t>
+            </a:r>
+          </a:p>
+          <a:p>
+            <a:pPr marL="0" indent="0">
+              <a:buNone/>
+            </a:pPr>
+            <a:r>
+              <a:rPr lang="en-US" dirty="0"/>
+              <a:t>Thread t;</a:t>
+            </a:r>
+          </a:p>
+          <a:p>
+            <a:pPr marL="0" indent="0">
+              <a:buNone/>
+            </a:pPr>
+            <a:r>
+              <a:rPr lang="en-US" dirty="0"/>
+              <a:t>private volatile </a:t>
+            </a:r>
+            <a:r>
+              <a:rPr lang="en-US" dirty="0" err="1"/>
+              <a:t>boolean</a:t>
+            </a:r>
+            <a:r>
+              <a:rPr lang="en-US" dirty="0"/>
+              <a:t> running = true;</a:t>
+            </a:r>
+          </a:p>
+          <a:p>
+            <a:pPr marL="0" indent="0">
+              <a:buNone/>
+            </a:pPr>
+            <a:r>
+              <a:rPr lang="en-US" dirty="0"/>
+              <a:t>public clicker(</a:t>
+            </a:r>
+            <a:r>
+              <a:rPr lang="en-US" dirty="0" err="1"/>
+              <a:t>int</a:t>
+            </a:r>
+            <a:r>
+              <a:rPr lang="en-US" dirty="0"/>
+              <a:t> p) {</a:t>
+            </a:r>
+          </a:p>
+          <a:p>
+            <a:pPr marL="0" indent="0">
+              <a:buNone/>
+            </a:pPr>
+            <a:r>
+              <a:rPr lang="en-US" dirty="0"/>
+              <a:t>t = new Thread(this);</a:t>
+            </a:r>
+          </a:p>
+          <a:p>
+            <a:pPr marL="0" indent="0">
+              <a:buNone/>
+            </a:pPr>
+            <a:r>
+              <a:rPr lang="en-US" dirty="0" err="1"/>
+              <a:t>t.setPriority</a:t>
+            </a:r>
+            <a:r>
+              <a:rPr lang="en-US" dirty="0"/>
+              <a:t>(p);</a:t>
+            </a:r>
+          </a:p>
+          <a:p>
+            <a:pPr marL="0" indent="0">
+              <a:buNone/>
+            </a:pPr>
+            <a:r>
+              <a:rPr lang="en-US" dirty="0"/>
+              <a:t>}</a:t>
+            </a:r>
+          </a:p>
+          <a:p>
+            <a:pPr marL="0" indent="0">
+              <a:buNone/>
+            </a:pPr>
+            <a:r>
+              <a:rPr lang="en-US" dirty="0"/>
+              <a:t>public void run() {</a:t>
+            </a:r>
+          </a:p>
+          <a:p>
+            <a:pPr marL="0" indent="0">
+              <a:buNone/>
+            </a:pPr>
+            <a:r>
+              <a:rPr lang="en-US" dirty="0"/>
+              <a:t>while (running) {</a:t>
+            </a:r>
+          </a:p>
+          <a:p>
+            <a:pPr marL="0" indent="0">
+              <a:buNone/>
+            </a:pPr>
+            <a:r>
+              <a:rPr lang="en-US" dirty="0"/>
+              <a:t>click++;</a:t>
+            </a:r>
+          </a:p>
+          <a:p>
+            <a:pPr marL="0" indent="0">
+              <a:buNone/>
+            </a:pPr>
+            <a:r>
+              <a:rPr lang="en-US" dirty="0" smtClean="0"/>
+              <a:t>}}</a:t>
+            </a:r>
+            <a:endParaRPr lang="en-US" dirty="0"/>
+          </a:p>
+          <a:p>
+            <a:pPr marL="0" indent="0">
+              <a:buNone/>
+            </a:pPr>
+            <a:r>
+              <a:rPr lang="en-US" dirty="0"/>
+              <a:t>public void stop() </a:t>
+            </a:r>
+            <a:r>
+              <a:rPr lang="en-US" dirty="0" smtClean="0"/>
+              <a:t>{ running </a:t>
+            </a:r>
+            <a:r>
+              <a:rPr lang="en-US" dirty="0"/>
+              <a:t>= false</a:t>
+            </a:r>
+            <a:r>
+              <a:rPr lang="en-US" dirty="0" smtClean="0"/>
+              <a:t>; }</a:t>
+            </a:r>
+            <a:endParaRPr lang="en-US" dirty="0"/>
+          </a:p>
+          <a:p>
+            <a:pPr marL="0" indent="0">
+              <a:buNone/>
+            </a:pPr>
+            <a:r>
+              <a:rPr lang="en-US" dirty="0"/>
+              <a:t>public void start() </a:t>
+            </a:r>
+            <a:r>
+              <a:rPr lang="en-US" dirty="0" smtClean="0"/>
+              <a:t>{ </a:t>
+            </a:r>
+            <a:r>
+              <a:rPr lang="en-US" dirty="0" err="1" smtClean="0"/>
+              <a:t>t.start</a:t>
+            </a:r>
+            <a:r>
+              <a:rPr lang="en-US" dirty="0" smtClean="0"/>
+              <a:t>(); }</a:t>
+            </a:r>
+          </a:p>
+          <a:p>
+            <a:pPr marL="0" indent="0">
+              <a:buNone/>
+            </a:pPr>
+            <a:r>
+              <a:rPr lang="en-US" dirty="0" smtClean="0"/>
+              <a:t>}</a:t>
+            </a:r>
+            <a:endParaRPr lang="en-US" dirty="0"/>
+          </a:p>
+        </p:txBody>
+      </p:sp>
+    </p:spTree>
+    <p:extLst>
+      <p:ext uri="{BB962C8B-B14F-4D97-AF65-F5344CB8AC3E}">
+        <p14:creationId xmlns:p14="http://schemas.microsoft.com/office/powerpoint/2010/main" val="659735758"/>
+      </p:ext>
+    </p:extLst>
+  </p:cSld>
+  <p:clrMapOvr>
+    <a:masterClrMapping/>
+  </p:clrMapOvr>
+  <p:timing>
+    <p:tnLst>
+      <p:par>
+        <p:cTn id="1" dur="indefinite" restart="never" nodeType="tmRoot"/>
+      </p:par>
+    </p:tnLst>
+  </p:timing>
+</p:sld>
+</file>
+
+<file path=ppt/slides/slide36.xml><?xml version="1.0" encoding="utf-8"?>
+<p:sld xmlns:a="http://schemas.openxmlformats.org/drawingml/2006/main" xmlns:r="http://schemas.openxmlformats.org/officeDocument/2006/relationships" xmlns:p="http://schemas.openxmlformats.org/presentationml/2006/main">
+  <p:cSld>
+    <p:spTree>
+      <p:nvGrpSpPr>
+        <p:cNvPr id="1" name=""/>
+        <p:cNvGrpSpPr/>
+        <p:nvPr/>
+      </p:nvGrpSpPr>
+      <p:grpSpPr>
+        <a:xfrm>
+          <a:off x="0" y="0"/>
+          <a:ext cx="0" cy="0"/>
+          <a:chOff x="0" y="0"/>
+          <a:chExt cx="0" cy="0"/>
+        </a:xfrm>
+      </p:grpSpPr>
+      <p:sp>
+        <p:nvSpPr>
+          <p:cNvPr id="2" name="Title 1"/>
+          <p:cNvSpPr>
+            <a:spLocks noGrp="1"/>
+          </p:cNvSpPr>
+          <p:nvPr>
+            <p:ph type="title"/>
+          </p:nvPr>
+        </p:nvSpPr>
+        <p:spPr>
+          <a:xfrm>
+            <a:off x="838200" y="365125"/>
+            <a:ext cx="10515600" cy="841375"/>
+          </a:xfrm>
+        </p:spPr>
+        <p:txBody>
+          <a:bodyPr/>
+          <a:lstStyle/>
+          <a:p>
+            <a:r>
+              <a:rPr lang="en-US" dirty="0" smtClean="0"/>
+              <a:t>Drive Method</a:t>
+            </a:r>
+            <a:endParaRPr lang="en-US" dirty="0"/>
+          </a:p>
+        </p:txBody>
+      </p:sp>
+      <p:sp>
+        <p:nvSpPr>
+          <p:cNvPr id="3" name="Content Placeholder 2"/>
+          <p:cNvSpPr>
+            <a:spLocks noGrp="1"/>
+          </p:cNvSpPr>
+          <p:nvPr>
+            <p:ph idx="1"/>
+          </p:nvPr>
+        </p:nvSpPr>
+        <p:spPr>
+          <a:xfrm>
+            <a:off x="660400" y="1206500"/>
+            <a:ext cx="11074400" cy="5448300"/>
+          </a:xfrm>
+        </p:spPr>
+        <p:txBody>
+          <a:bodyPr>
+            <a:normAutofit fontScale="62500" lnSpcReduction="20000"/>
+          </a:bodyPr>
+          <a:lstStyle/>
+          <a:p>
+            <a:pPr marL="0" indent="0">
+              <a:buNone/>
+            </a:pPr>
+            <a:r>
+              <a:rPr lang="en-US" dirty="0"/>
+              <a:t>class </a:t>
+            </a:r>
+            <a:r>
+              <a:rPr lang="en-US" dirty="0" err="1"/>
+              <a:t>HiLoPri</a:t>
+            </a:r>
+            <a:r>
+              <a:rPr lang="en-US" dirty="0"/>
+              <a:t> {</a:t>
+            </a:r>
+          </a:p>
+          <a:p>
+            <a:pPr marL="0" indent="0">
+              <a:buNone/>
+            </a:pPr>
+            <a:r>
+              <a:rPr lang="en-US" dirty="0"/>
+              <a:t>public static void main(String </a:t>
+            </a:r>
+            <a:r>
+              <a:rPr lang="en-US" dirty="0" err="1"/>
+              <a:t>args</a:t>
+            </a:r>
+            <a:r>
+              <a:rPr lang="en-US" dirty="0"/>
+              <a:t>[]) {</a:t>
+            </a:r>
+          </a:p>
+          <a:p>
+            <a:pPr marL="0" indent="0">
+              <a:buNone/>
+            </a:pPr>
+            <a:r>
+              <a:rPr lang="en-US" dirty="0" err="1"/>
+              <a:t>Thread.currentThread</a:t>
+            </a:r>
+            <a:r>
+              <a:rPr lang="en-US" dirty="0"/>
+              <a:t>().</a:t>
+            </a:r>
+            <a:r>
+              <a:rPr lang="en-US" dirty="0" err="1"/>
+              <a:t>setPriority</a:t>
+            </a:r>
+            <a:r>
+              <a:rPr lang="en-US" dirty="0"/>
+              <a:t>(</a:t>
+            </a:r>
+            <a:r>
+              <a:rPr lang="en-US" dirty="0" err="1"/>
+              <a:t>Thread.MAX_PRIORITY</a:t>
+            </a:r>
+            <a:r>
+              <a:rPr lang="en-US" dirty="0"/>
+              <a:t>);</a:t>
+            </a:r>
+          </a:p>
+          <a:p>
+            <a:pPr marL="0" indent="0">
+              <a:buNone/>
+            </a:pPr>
+            <a:r>
+              <a:rPr lang="en-US" dirty="0"/>
+              <a:t>clicker hi = new clicker(</a:t>
+            </a:r>
+            <a:r>
+              <a:rPr lang="en-US" dirty="0" err="1"/>
+              <a:t>Thread.NORM_PRIORITY</a:t>
+            </a:r>
+            <a:r>
+              <a:rPr lang="en-US" dirty="0"/>
+              <a:t> + 2);</a:t>
+            </a:r>
+          </a:p>
+          <a:p>
+            <a:pPr marL="0" indent="0">
+              <a:buNone/>
+            </a:pPr>
+            <a:r>
+              <a:rPr lang="en-US" dirty="0"/>
+              <a:t>clicker lo = new clicker(</a:t>
+            </a:r>
+            <a:r>
+              <a:rPr lang="en-US" dirty="0" err="1"/>
+              <a:t>Thread.NORM_PRIORITY</a:t>
+            </a:r>
+            <a:r>
+              <a:rPr lang="en-US" dirty="0"/>
+              <a:t> - 2);</a:t>
+            </a:r>
+          </a:p>
+          <a:p>
+            <a:pPr marL="0" indent="0">
+              <a:buNone/>
+            </a:pPr>
+            <a:r>
+              <a:rPr lang="en-US" dirty="0" err="1"/>
+              <a:t>lo.start</a:t>
+            </a:r>
+            <a:r>
+              <a:rPr lang="en-US" dirty="0" smtClean="0"/>
+              <a:t>(); </a:t>
+            </a:r>
+            <a:r>
+              <a:rPr lang="en-US" dirty="0" err="1" smtClean="0"/>
+              <a:t>hi.start</a:t>
+            </a:r>
+            <a:r>
+              <a:rPr lang="en-US" dirty="0"/>
+              <a:t>();</a:t>
+            </a:r>
+          </a:p>
+          <a:p>
+            <a:pPr marL="0" indent="0">
+              <a:buNone/>
+            </a:pPr>
+            <a:r>
+              <a:rPr lang="en-US" dirty="0"/>
+              <a:t>try {</a:t>
+            </a:r>
+          </a:p>
+          <a:p>
+            <a:pPr marL="0" indent="0">
+              <a:buNone/>
+            </a:pPr>
+            <a:r>
+              <a:rPr lang="en-US" dirty="0" err="1"/>
+              <a:t>Thread.sleep</a:t>
+            </a:r>
+            <a:r>
+              <a:rPr lang="en-US" dirty="0"/>
+              <a:t>(10000);</a:t>
+            </a:r>
+          </a:p>
+          <a:p>
+            <a:pPr marL="0" indent="0">
+              <a:buNone/>
+            </a:pPr>
+            <a:r>
+              <a:rPr lang="en-US" dirty="0"/>
+              <a:t>} catch (</a:t>
+            </a:r>
+            <a:r>
+              <a:rPr lang="en-US" dirty="0" err="1"/>
+              <a:t>InterruptedException</a:t>
+            </a:r>
+            <a:r>
+              <a:rPr lang="en-US" dirty="0"/>
+              <a:t> e) </a:t>
+            </a:r>
+            <a:r>
+              <a:rPr lang="en-US" dirty="0" smtClean="0"/>
+              <a:t>{ </a:t>
+            </a:r>
+            <a:r>
+              <a:rPr lang="en-US" dirty="0" err="1" smtClean="0"/>
+              <a:t>System.out.println</a:t>
+            </a:r>
+            <a:r>
+              <a:rPr lang="en-US" dirty="0"/>
+              <a:t>("Main thread interrupted</a:t>
+            </a:r>
+            <a:r>
+              <a:rPr lang="en-US" dirty="0" smtClean="0"/>
+              <a:t>.");</a:t>
+            </a:r>
+          </a:p>
+          <a:p>
+            <a:pPr marL="0" indent="0">
+              <a:buNone/>
+            </a:pPr>
+            <a:r>
+              <a:rPr lang="en-US" dirty="0" err="1"/>
+              <a:t>lo.stop</a:t>
+            </a:r>
+            <a:r>
+              <a:rPr lang="en-US" dirty="0" smtClean="0"/>
+              <a:t>(); </a:t>
+            </a:r>
+            <a:r>
+              <a:rPr lang="en-US" dirty="0" err="1" smtClean="0"/>
+              <a:t>hi.stop</a:t>
+            </a:r>
+            <a:r>
+              <a:rPr lang="en-US" dirty="0"/>
+              <a:t>();</a:t>
+            </a:r>
+          </a:p>
+          <a:p>
+            <a:pPr marL="0" indent="0">
+              <a:buNone/>
+            </a:pPr>
+            <a:r>
+              <a:rPr lang="en-US" dirty="0"/>
+              <a:t>// Wait for child threads to terminate.</a:t>
+            </a:r>
+          </a:p>
+          <a:p>
+            <a:pPr marL="0" indent="0">
+              <a:buNone/>
+            </a:pPr>
+            <a:r>
+              <a:rPr lang="en-US" dirty="0"/>
+              <a:t>try {</a:t>
+            </a:r>
+          </a:p>
+          <a:p>
+            <a:pPr marL="0" indent="0">
+              <a:buNone/>
+            </a:pPr>
+            <a:r>
+              <a:rPr lang="en-US" dirty="0" err="1"/>
+              <a:t>hi.t.join</a:t>
+            </a:r>
+            <a:r>
+              <a:rPr lang="en-US" dirty="0" smtClean="0"/>
+              <a:t>(); </a:t>
+            </a:r>
+            <a:r>
+              <a:rPr lang="en-US" dirty="0" err="1" smtClean="0"/>
+              <a:t>lo.t.join</a:t>
+            </a:r>
+            <a:r>
+              <a:rPr lang="en-US" dirty="0"/>
+              <a:t>();</a:t>
+            </a:r>
+          </a:p>
+          <a:p>
+            <a:pPr marL="0" indent="0">
+              <a:buNone/>
+            </a:pPr>
+            <a:r>
+              <a:rPr lang="en-US" dirty="0"/>
+              <a:t>} catch (</a:t>
+            </a:r>
+            <a:r>
+              <a:rPr lang="en-US" dirty="0" err="1"/>
+              <a:t>InterruptedException</a:t>
+            </a:r>
+            <a:r>
+              <a:rPr lang="en-US" dirty="0"/>
+              <a:t> e) </a:t>
+            </a:r>
+            <a:r>
+              <a:rPr lang="en-US" dirty="0" smtClean="0"/>
+              <a:t>{</a:t>
+            </a:r>
+            <a:r>
+              <a:rPr lang="en-US" dirty="0" err="1" smtClean="0"/>
+              <a:t>System.out.println</a:t>
+            </a:r>
+            <a:r>
+              <a:rPr lang="en-US" dirty="0"/>
+              <a:t>("</a:t>
+            </a:r>
+            <a:r>
+              <a:rPr lang="en-US" dirty="0" err="1"/>
+              <a:t>InterruptedException</a:t>
+            </a:r>
+            <a:r>
+              <a:rPr lang="en-US" dirty="0"/>
+              <a:t> caught</a:t>
+            </a:r>
+            <a:r>
+              <a:rPr lang="en-US" dirty="0" smtClean="0"/>
+              <a:t>");}</a:t>
+            </a:r>
+            <a:endParaRPr lang="en-US" dirty="0"/>
+          </a:p>
+          <a:p>
+            <a:pPr marL="0" indent="0">
+              <a:buNone/>
+            </a:pPr>
+            <a:r>
+              <a:rPr lang="en-US" dirty="0" err="1"/>
+              <a:t>System.out.println</a:t>
+            </a:r>
+            <a:r>
+              <a:rPr lang="en-US" dirty="0"/>
+              <a:t>("Low-priority thread: " + </a:t>
+            </a:r>
+            <a:r>
+              <a:rPr lang="en-US" dirty="0" err="1"/>
+              <a:t>lo.click</a:t>
+            </a:r>
+            <a:r>
+              <a:rPr lang="en-US" dirty="0"/>
+              <a:t>);</a:t>
+            </a:r>
+          </a:p>
+          <a:p>
+            <a:pPr marL="0" indent="0">
+              <a:buNone/>
+            </a:pPr>
+            <a:r>
+              <a:rPr lang="en-US" dirty="0" err="1"/>
+              <a:t>System.out.println</a:t>
+            </a:r>
+            <a:r>
+              <a:rPr lang="en-US" dirty="0"/>
+              <a:t>("High-priority thread: " + </a:t>
+            </a:r>
+            <a:r>
+              <a:rPr lang="en-US" dirty="0" err="1"/>
+              <a:t>hi.click</a:t>
+            </a:r>
+            <a:r>
+              <a:rPr lang="en-US" dirty="0" smtClean="0"/>
+              <a:t>);</a:t>
+            </a:r>
+          </a:p>
+          <a:p>
+            <a:pPr marL="0" indent="0">
+              <a:buNone/>
+            </a:pPr>
+            <a:r>
+              <a:rPr lang="en-US" dirty="0" smtClean="0"/>
+              <a:t>}}</a:t>
+            </a:r>
+            <a:endParaRPr lang="en-US" dirty="0"/>
+          </a:p>
+        </p:txBody>
+      </p:sp>
+    </p:spTree>
+    <p:extLst>
+      <p:ext uri="{BB962C8B-B14F-4D97-AF65-F5344CB8AC3E}">
+        <p14:creationId xmlns:p14="http://schemas.microsoft.com/office/powerpoint/2010/main" val="3059096851"/>
+      </p:ext>
+    </p:extLst>
+  </p:cSld>
+  <p:clrMapOvr>
+    <a:masterClrMapping/>
+  </p:clrMapOvr>
+  <p:timing>
+    <p:tnLst>
+      <p:par>
+        <p:cTn id="1" dur="indefinite" restart="never" nodeType="tmRoot"/>
+      </p:par>
+    </p:tnLst>
+  </p:timing>
+</p:sld>
+</file>
+
+<file path=ppt/slides/slide37.xml><?xml version="1.0" encoding="utf-8"?>
+<p:sld xmlns:a="http://schemas.openxmlformats.org/drawingml/2006/main" xmlns:r="http://schemas.openxmlformats.org/officeDocument/2006/relationships" xmlns:p="http://schemas.openxmlformats.org/presentationml/2006/main">
+  <p:cSld>
+    <p:spTree>
+      <p:nvGrpSpPr>
+        <p:cNvPr id="1" name=""/>
+        <p:cNvGrpSpPr/>
+        <p:nvPr/>
+      </p:nvGrpSpPr>
+      <p:grpSpPr>
+        <a:xfrm>
+          <a:off x="0" y="0"/>
+          <a:ext cx="0" cy="0"/>
+          <a:chOff x="0" y="0"/>
+          <a:chExt cx="0" cy="0"/>
+        </a:xfrm>
+      </p:grpSpPr>
+      <p:sp>
+        <p:nvSpPr>
+          <p:cNvPr id="2" name="Title 1"/>
+          <p:cNvSpPr>
+            <a:spLocks noGrp="1"/>
+          </p:cNvSpPr>
+          <p:nvPr>
+            <p:ph type="title"/>
+          </p:nvPr>
+        </p:nvSpPr>
+        <p:spPr/>
+        <p:txBody>
+          <a:bodyPr/>
+          <a:lstStyle/>
+          <a:p>
+            <a:endParaRPr lang="en-US"/>
+          </a:p>
+        </p:txBody>
+      </p:sp>
+      <p:sp>
+        <p:nvSpPr>
+          <p:cNvPr id="3" name="Content Placeholder 2"/>
+          <p:cNvSpPr>
+            <a:spLocks noGrp="1"/>
+          </p:cNvSpPr>
+          <p:nvPr>
+            <p:ph idx="1"/>
+          </p:nvPr>
+        </p:nvSpPr>
+        <p:spPr/>
+        <p:txBody>
+          <a:bodyPr/>
+          <a:lstStyle/>
+          <a:p>
+            <a:endParaRPr lang="en-US"/>
+          </a:p>
+        </p:txBody>
+      </p:sp>
+    </p:spTree>
+    <p:extLst>
+      <p:ext uri="{BB962C8B-B14F-4D97-AF65-F5344CB8AC3E}">
+        <p14:creationId xmlns:p14="http://schemas.microsoft.com/office/powerpoint/2010/main" val="1383637230"/>
+      </p:ext>
+    </p:extLst>
+  </p:cSld>
+  <p:clrMapOvr>
+    <a:masterClrMapping/>
+  </p:clrMapOvr>
 </p:sld>
 </file>
 
